--- a/Docs/React Native Template Builder.pptx
+++ b/Docs/React Native Template Builder.pptx
@@ -5,10 +5,10 @@
     <p:sldMasterId id="2147483660" r:id="rId4"/>
   </p:sldMasterIdLst>
   <p:notesMasterIdLst>
-    <p:notesMasterId r:id="rId20"/>
+    <p:notesMasterId r:id="rId21"/>
   </p:notesMasterIdLst>
   <p:handoutMasterIdLst>
-    <p:handoutMasterId r:id="rId21"/>
+    <p:handoutMasterId r:id="rId22"/>
   </p:handoutMasterIdLst>
   <p:sldIdLst>
     <p:sldId id="256" r:id="rId5"/>
@@ -18,14 +18,15 @@
     <p:sldId id="284" r:id="rId9"/>
     <p:sldId id="283" r:id="rId10"/>
     <p:sldId id="257" r:id="rId11"/>
-    <p:sldId id="285" r:id="rId12"/>
-    <p:sldId id="286" r:id="rId13"/>
-    <p:sldId id="287" r:id="rId14"/>
-    <p:sldId id="288" r:id="rId15"/>
-    <p:sldId id="289" r:id="rId16"/>
-    <p:sldId id="290" r:id="rId17"/>
-    <p:sldId id="291" r:id="rId18"/>
-    <p:sldId id="282" r:id="rId19"/>
+    <p:sldId id="292" r:id="rId12"/>
+    <p:sldId id="285" r:id="rId13"/>
+    <p:sldId id="286" r:id="rId14"/>
+    <p:sldId id="287" r:id="rId15"/>
+    <p:sldId id="288" r:id="rId16"/>
+    <p:sldId id="289" r:id="rId17"/>
+    <p:sldId id="290" r:id="rId18"/>
+    <p:sldId id="291" r:id="rId19"/>
+    <p:sldId id="282" r:id="rId20"/>
   </p:sldIdLst>
   <p:sldSz cx="12192000" cy="6858000"/>
   <p:notesSz cx="6858000" cy="9144000"/>
@@ -144,6 +145,7 @@
             <p14:sldId id="284"/>
             <p14:sldId id="283"/>
             <p14:sldId id="257"/>
+            <p14:sldId id="292"/>
             <p14:sldId id="285"/>
           </p14:sldIdLst>
         </p14:section>
@@ -882,7 +884,7 @@
     </p:spTree>
     <p:extLst>
       <p:ext uri="{BB962C8B-B14F-4D97-AF65-F5344CB8AC3E}">
-        <p14:creationId xmlns:p14="http://schemas.microsoft.com/office/powerpoint/2010/main" val="522100062"/>
+        <p14:creationId xmlns:p14="http://schemas.microsoft.com/office/powerpoint/2010/main" val="1473965414"/>
       </p:ext>
     </p:extLst>
   </p:cSld>
@@ -967,7 +969,7 @@
     </p:spTree>
     <p:extLst>
       <p:ext uri="{BB962C8B-B14F-4D97-AF65-F5344CB8AC3E}">
-        <p14:creationId xmlns:p14="http://schemas.microsoft.com/office/powerpoint/2010/main" val="2757418211"/>
+        <p14:creationId xmlns:p14="http://schemas.microsoft.com/office/powerpoint/2010/main" val="522100062"/>
       </p:ext>
     </p:extLst>
   </p:cSld>
@@ -1052,7 +1054,7 @@
     </p:spTree>
     <p:extLst>
       <p:ext uri="{BB962C8B-B14F-4D97-AF65-F5344CB8AC3E}">
-        <p14:creationId xmlns:p14="http://schemas.microsoft.com/office/powerpoint/2010/main" val="3558170948"/>
+        <p14:creationId xmlns:p14="http://schemas.microsoft.com/office/powerpoint/2010/main" val="2757418211"/>
       </p:ext>
     </p:extLst>
   </p:cSld>
@@ -1137,7 +1139,7 @@
     </p:spTree>
     <p:extLst>
       <p:ext uri="{BB962C8B-B14F-4D97-AF65-F5344CB8AC3E}">
-        <p14:creationId xmlns:p14="http://schemas.microsoft.com/office/powerpoint/2010/main" val="3602760028"/>
+        <p14:creationId xmlns:p14="http://schemas.microsoft.com/office/powerpoint/2010/main" val="3558170948"/>
       </p:ext>
     </p:extLst>
   </p:cSld>
@@ -1222,7 +1224,7 @@
     </p:spTree>
     <p:extLst>
       <p:ext uri="{BB962C8B-B14F-4D97-AF65-F5344CB8AC3E}">
-        <p14:creationId xmlns:p14="http://schemas.microsoft.com/office/powerpoint/2010/main" val="2300835011"/>
+        <p14:creationId xmlns:p14="http://schemas.microsoft.com/office/powerpoint/2010/main" val="3602760028"/>
       </p:ext>
     </p:extLst>
   </p:cSld>
@@ -1259,12 +1261,7 @@
             <p:ph type="sldImg"/>
           </p:nvPr>
         </p:nvSpPr>
-        <p:spPr>
-          <a:xfrm>
-            <a:off x="685800" y="1143000"/>
-            <a:ext cx="5486400" cy="3086100"/>
-          </a:xfrm>
-        </p:spPr>
+        <p:spPr/>
       </p:sp>
       <p:sp>
         <p:nvSpPr>
@@ -1278,6 +1275,96 @@
         </p:nvSpPr>
         <p:spPr/>
         <p:txBody>
+          <a:bodyPr/>
+          <a:lstStyle/>
+          <a:p>
+            <a:endParaRPr lang="el-GR" dirty="0"/>
+          </a:p>
+        </p:txBody>
+      </p:sp>
+      <p:sp>
+        <p:nvSpPr>
+          <p:cNvPr id="4" name="Θέση αριθμού διαφάνειας 3"/>
+          <p:cNvSpPr>
+            <a:spLocks noGrp="1"/>
+          </p:cNvSpPr>
+          <p:nvPr>
+            <p:ph type="sldNum" sz="quarter" idx="5"/>
+          </p:nvPr>
+        </p:nvSpPr>
+        <p:spPr/>
+        <p:txBody>
+          <a:bodyPr/>
+          <a:lstStyle/>
+          <a:p>
+            <a:pPr rtl="0"/>
+            <a:fld id="{DF61EA0F-A667-4B49-8422-0062BC55E249}" type="slidenum">
+              <a:rPr lang="el-GR" smtClean="0"/>
+              <a:t>15</a:t>
+            </a:fld>
+            <a:endParaRPr lang="el-GR"/>
+          </a:p>
+        </p:txBody>
+      </p:sp>
+    </p:spTree>
+    <p:extLst>
+      <p:ext uri="{BB962C8B-B14F-4D97-AF65-F5344CB8AC3E}">
+        <p14:creationId xmlns:p14="http://schemas.microsoft.com/office/powerpoint/2010/main" val="2300835011"/>
+      </p:ext>
+    </p:extLst>
+  </p:cSld>
+  <p:clrMapOvr>
+    <a:masterClrMapping/>
+  </p:clrMapOvr>
+</p:notes>
+</file>
+
+<file path=ppt/notesSlides/notesSlide16.xml><?xml version="1.0" encoding="utf-8"?>
+<p:notes xmlns:a="http://schemas.openxmlformats.org/drawingml/2006/main" xmlns:r="http://schemas.openxmlformats.org/officeDocument/2006/relationships" xmlns:p="http://schemas.openxmlformats.org/presentationml/2006/main">
+  <p:cSld>
+    <p:spTree>
+      <p:nvGrpSpPr>
+        <p:cNvPr id="1" name=""/>
+        <p:cNvGrpSpPr/>
+        <p:nvPr/>
+      </p:nvGrpSpPr>
+      <p:grpSpPr>
+        <a:xfrm>
+          <a:off x="0" y="0"/>
+          <a:ext cx="0" cy="0"/>
+          <a:chOff x="0" y="0"/>
+          <a:chExt cx="0" cy="0"/>
+        </a:xfrm>
+      </p:grpSpPr>
+      <p:sp>
+        <p:nvSpPr>
+          <p:cNvPr id="2" name="Θέση εικόνας διαφάνειας 1"/>
+          <p:cNvSpPr>
+            <a:spLocks noGrp="1" noRot="1" noChangeAspect="1"/>
+          </p:cNvSpPr>
+          <p:nvPr>
+            <p:ph type="sldImg"/>
+          </p:nvPr>
+        </p:nvSpPr>
+        <p:spPr>
+          <a:xfrm>
+            <a:off x="685800" y="1143000"/>
+            <a:ext cx="5486400" cy="3086100"/>
+          </a:xfrm>
+        </p:spPr>
+      </p:sp>
+      <p:sp>
+        <p:nvSpPr>
+          <p:cNvPr id="3" name="Θέση σημειώσεων 2"/>
+          <p:cNvSpPr>
+            <a:spLocks noGrp="1"/>
+          </p:cNvSpPr>
+          <p:nvPr>
+            <p:ph type="body" idx="1"/>
+          </p:nvPr>
+        </p:nvSpPr>
+        <p:spPr/>
+        <p:txBody>
           <a:bodyPr rtlCol="0"/>
           <a:lstStyle/>
           <a:p>
@@ -1307,7 +1394,7 @@
             <a:pPr rtl="0"/>
             <a:fld id="{DF61EA0F-A667-4B49-8422-0062BC55E249}" type="slidenum">
               <a:rPr lang="el-GR" smtClean="0"/>
-              <a:t>15</a:t>
+              <a:t>16</a:t>
             </a:fld>
             <a:endParaRPr lang="el-GR"/>
           </a:p>
@@ -1911,7 +1998,7 @@
     </p:spTree>
     <p:extLst>
       <p:ext uri="{BB962C8B-B14F-4D97-AF65-F5344CB8AC3E}">
-        <p14:creationId xmlns:p14="http://schemas.microsoft.com/office/powerpoint/2010/main" val="341387255"/>
+        <p14:creationId xmlns:p14="http://schemas.microsoft.com/office/powerpoint/2010/main" val="2496448992"/>
       </p:ext>
     </p:extLst>
   </p:cSld>
@@ -1996,7 +2083,7 @@
     </p:spTree>
     <p:extLst>
       <p:ext uri="{BB962C8B-B14F-4D97-AF65-F5344CB8AC3E}">
-        <p14:creationId xmlns:p14="http://schemas.microsoft.com/office/powerpoint/2010/main" val="1473965414"/>
+        <p14:creationId xmlns:p14="http://schemas.microsoft.com/office/powerpoint/2010/main" val="341387255"/>
       </p:ext>
     </p:extLst>
   </p:cSld>
@@ -3815,12 +3902,12 @@
         <p:spPr>
           <a:xfrm>
             <a:off x="541610" y="1431010"/>
-            <a:ext cx="3886699" cy="4932203"/>
+            <a:ext cx="5610995" cy="4932203"/>
           </a:xfrm>
         </p:spPr>
         <p:txBody>
           <a:bodyPr vert="horz" lIns="91440" tIns="45720" rIns="91440" bIns="45720" rtlCol="0">
-            <a:normAutofit fontScale="92500" lnSpcReduction="10000"/>
+            <a:normAutofit/>
           </a:bodyPr>
           <a:lstStyle/>
           <a:p>
@@ -3844,20 +3931,20 @@
                 <a:latin typeface="Segoe UI" panose="020B0502040204020203" pitchFamily="34" charset="0"/>
                 <a:cs typeface="Segoe UI" panose="020B0502040204020203" pitchFamily="34" charset="0"/>
               </a:rPr>
-              <a:t>Όταν ο χρήστης πατήσει «</a:t>
-            </a:r>
-            <a:r>
-              <a:rPr lang="el-GR" sz="2400" dirty="0" err="1" smtClean="0">
-                <a:solidFill>
-                  <a:prstClr val="black">
-                    <a:lumMod val="75000"/>
-                    <a:lumOff val="25000"/>
-                  </a:prstClr>
-                </a:solidFill>
-                <a:latin typeface="Segoe UI" panose="020B0502040204020203" pitchFamily="34" charset="0"/>
-                <a:cs typeface="Segoe UI" panose="020B0502040204020203" pitchFamily="34" charset="0"/>
-              </a:rPr>
-              <a:t>Δημουργία</a:t>
+              <a:t>Για να γίνει πιο φιλικός ο </a:t>
+            </a:r>
+            <a:r>
+              <a:rPr lang="en-US" sz="2400" dirty="0" smtClean="0">
+                <a:solidFill>
+                  <a:prstClr val="black">
+                    <a:lumMod val="75000"/>
+                    <a:lumOff val="25000"/>
+                  </a:prstClr>
+                </a:solidFill>
+                <a:latin typeface="Segoe UI" panose="020B0502040204020203" pitchFamily="34" charset="0"/>
+                <a:cs typeface="Segoe UI" panose="020B0502040204020203" pitchFamily="34" charset="0"/>
+              </a:rPr>
+              <a:t>generator,</a:t>
             </a:r>
             <a:r>
               <a:rPr lang="el-GR" sz="2400" dirty="0" smtClean="0">
@@ -3870,7 +3957,241 @@
                 <a:latin typeface="Segoe UI" panose="020B0502040204020203" pitchFamily="34" charset="0"/>
                 <a:cs typeface="Segoe UI" panose="020B0502040204020203" pitchFamily="34" charset="0"/>
               </a:rPr>
-              <a:t> </a:t>
+              <a:t> αναπτύχθηκε </a:t>
+            </a:r>
+            <a:r>
+              <a:rPr lang="en-US" sz="2400" dirty="0" smtClean="0">
+                <a:solidFill>
+                  <a:prstClr val="black">
+                    <a:lumMod val="75000"/>
+                    <a:lumOff val="25000"/>
+                  </a:prstClr>
+                </a:solidFill>
+                <a:latin typeface="Segoe UI" panose="020B0502040204020203" pitchFamily="34" charset="0"/>
+                <a:cs typeface="Segoe UI" panose="020B0502040204020203" pitchFamily="34" charset="0"/>
+              </a:rPr>
+              <a:t>GUI, </a:t>
+            </a:r>
+            <a:r>
+              <a:rPr lang="el-GR" sz="2400" dirty="0" smtClean="0">
+                <a:solidFill>
+                  <a:prstClr val="black">
+                    <a:lumMod val="75000"/>
+                    <a:lumOff val="25000"/>
+                  </a:prstClr>
+                </a:solidFill>
+                <a:latin typeface="Segoe UI" panose="020B0502040204020203" pitchFamily="34" charset="0"/>
+                <a:cs typeface="Segoe UI" panose="020B0502040204020203" pitchFamily="34" charset="0"/>
+              </a:rPr>
+              <a:t>με χρήση της  βιβλιοθήκης </a:t>
+            </a:r>
+            <a:r>
+              <a:rPr lang="en-US" sz="2400" b="1" dirty="0" err="1" smtClean="0">
+                <a:solidFill>
+                  <a:prstClr val="black">
+                    <a:lumMod val="75000"/>
+                    <a:lumOff val="25000"/>
+                  </a:prstClr>
+                </a:solidFill>
+                <a:latin typeface="Segoe UI" panose="020B0502040204020203" pitchFamily="34" charset="0"/>
+                <a:cs typeface="Segoe UI" panose="020B0502040204020203" pitchFamily="34" charset="0"/>
+              </a:rPr>
+              <a:t>tkinter</a:t>
+            </a:r>
+            <a:r>
+              <a:rPr lang="el-GR" sz="2400" b="1" dirty="0" smtClean="0">
+                <a:solidFill>
+                  <a:prstClr val="black">
+                    <a:lumMod val="75000"/>
+                    <a:lumOff val="25000"/>
+                  </a:prstClr>
+                </a:solidFill>
+                <a:latin typeface="Segoe UI" panose="020B0502040204020203" pitchFamily="34" charset="0"/>
+                <a:cs typeface="Segoe UI" panose="020B0502040204020203" pitchFamily="34" charset="0"/>
+              </a:rPr>
+              <a:t>.</a:t>
+            </a:r>
+            <a:endParaRPr lang="el-GR" sz="2400" dirty="0">
+              <a:solidFill>
+                <a:prstClr val="black">
+                  <a:lumMod val="75000"/>
+                  <a:lumOff val="25000"/>
+                </a:prstClr>
+              </a:solidFill>
+              <a:latin typeface="Segoe UI" panose="020B0502040204020203" pitchFamily="34" charset="0"/>
+              <a:cs typeface="Segoe UI" panose="020B0502040204020203" pitchFamily="34" charset="0"/>
+            </a:endParaRPr>
+          </a:p>
+        </p:txBody>
+      </p:sp>
+      <p:pic>
+        <p:nvPicPr>
+          <p:cNvPr id="3" name="Εικόνα 2"/>
+          <p:cNvPicPr>
+            <a:picLocks noChangeAspect="1"/>
+          </p:cNvPicPr>
+          <p:nvPr/>
+        </p:nvPicPr>
+        <p:blipFill>
+          <a:blip r:embed="rId3"/>
+          <a:stretch>
+            <a:fillRect/>
+          </a:stretch>
+        </p:blipFill>
+        <p:spPr>
+          <a:xfrm>
+            <a:off x="5983741" y="1234873"/>
+            <a:ext cx="5132750" cy="5403403"/>
+          </a:xfrm>
+          <a:prstGeom prst="rect">
+            <a:avLst/>
+          </a:prstGeom>
+        </p:spPr>
+      </p:pic>
+      <p:pic>
+        <p:nvPicPr>
+          <p:cNvPr id="6" name="Εικόνα 5"/>
+          <p:cNvPicPr>
+            <a:picLocks noChangeAspect="1"/>
+          </p:cNvPicPr>
+          <p:nvPr/>
+        </p:nvPicPr>
+        <p:blipFill>
+          <a:blip r:embed="rId4"/>
+          <a:stretch>
+            <a:fillRect/>
+          </a:stretch>
+        </p:blipFill>
+        <p:spPr>
+          <a:xfrm>
+            <a:off x="521206" y="3243194"/>
+            <a:ext cx="4913933" cy="3395081"/>
+          </a:xfrm>
+          <a:prstGeom prst="rect">
+            <a:avLst/>
+          </a:prstGeom>
+        </p:spPr>
+      </p:pic>
+    </p:spTree>
+    <p:extLst>
+      <p:ext uri="{BB962C8B-B14F-4D97-AF65-F5344CB8AC3E}">
+        <p14:creationId xmlns:p14="http://schemas.microsoft.com/office/powerpoint/2010/main" val="1709995787"/>
+      </p:ext>
+    </p:extLst>
+  </p:cSld>
+  <p:clrMapOvr>
+    <a:masterClrMapping/>
+  </p:clrMapOvr>
+  <mc:AlternateContent xmlns:mc="http://schemas.openxmlformats.org/markup-compatibility/2006" xmlns:p14="http://schemas.microsoft.com/office/powerpoint/2010/main">
+    <mc:Choice Requires="p14">
+      <p:transition p14:dur="10"/>
+    </mc:Choice>
+    <mc:Fallback xmlns="">
+      <p:transition/>
+    </mc:Fallback>
+  </mc:AlternateContent>
+  <p:timing>
+    <p:tnLst>
+      <p:par>
+        <p:cTn id="1" dur="indefinite" restart="never" nodeType="tmRoot"/>
+      </p:par>
+    </p:tnLst>
+  </p:timing>
+</p:sld>
+</file>
+
+<file path=ppt/slides/slide11.xml><?xml version="1.0" encoding="utf-8"?>
+<p:sld xmlns:a="http://schemas.openxmlformats.org/drawingml/2006/main" xmlns:r="http://schemas.openxmlformats.org/officeDocument/2006/relationships" xmlns:p="http://schemas.openxmlformats.org/presentationml/2006/main">
+  <p:cSld>
+    <p:spTree>
+      <p:nvGrpSpPr>
+        <p:cNvPr id="1" name=""/>
+        <p:cNvGrpSpPr/>
+        <p:nvPr/>
+      </p:nvGrpSpPr>
+      <p:grpSpPr>
+        <a:xfrm>
+          <a:off x="0" y="0"/>
+          <a:ext cx="0" cy="0"/>
+          <a:chOff x="0" y="0"/>
+          <a:chExt cx="0" cy="0"/>
+        </a:xfrm>
+      </p:grpSpPr>
+      <p:sp>
+        <p:nvSpPr>
+          <p:cNvPr id="2" name="Τίτλος 1"/>
+          <p:cNvSpPr>
+            <a:spLocks noGrp="1"/>
+          </p:cNvSpPr>
+          <p:nvPr>
+            <p:ph type="title"/>
+          </p:nvPr>
+        </p:nvSpPr>
+        <p:spPr/>
+        <p:txBody>
+          <a:bodyPr rtlCol="0">
+            <a:normAutofit/>
+          </a:bodyPr>
+          <a:lstStyle/>
+          <a:p>
+            <a:pPr lvl="0" rtl="0"/>
+            <a:r>
+              <a:rPr lang="el-GR" dirty="0" smtClean="0">
+                <a:latin typeface="Segoe UI Light" panose="020B0502040204020203" pitchFamily="34" charset="0"/>
+                <a:cs typeface="Segoe UI Light" panose="020B0502040204020203" pitchFamily="34" charset="0"/>
+              </a:rPr>
+              <a:t>Πως υλοποιήθηκε;</a:t>
+            </a:r>
+            <a:endParaRPr lang="el-GR" dirty="0">
+              <a:latin typeface="Segoe UI Light" panose="020B0502040204020203" pitchFamily="34" charset="0"/>
+              <a:cs typeface="Segoe UI Light" panose="020B0502040204020203" pitchFamily="34" charset="0"/>
+            </a:endParaRPr>
+          </a:p>
+        </p:txBody>
+      </p:sp>
+      <p:sp>
+        <p:nvSpPr>
+          <p:cNvPr id="5" name="Θέση περιεχομένου 4"/>
+          <p:cNvSpPr>
+            <a:spLocks noGrp="1"/>
+          </p:cNvSpPr>
+          <p:nvPr>
+            <p:ph sz="half" idx="4294967295"/>
+          </p:nvPr>
+        </p:nvSpPr>
+        <p:spPr>
+          <a:xfrm>
+            <a:off x="541610" y="1431010"/>
+            <a:ext cx="3886699" cy="4932203"/>
+          </a:xfrm>
+        </p:spPr>
+        <p:txBody>
+          <a:bodyPr vert="horz" lIns="91440" tIns="45720" rIns="91440" bIns="45720" rtlCol="0">
+            <a:normAutofit fontScale="92500" lnSpcReduction="10000"/>
+          </a:bodyPr>
+          <a:lstStyle/>
+          <a:p>
+            <a:pPr marL="0" indent="0" rtl="0">
+              <a:spcBef>
+                <a:spcPts val="1000"/>
+              </a:spcBef>
+              <a:spcAft>
+                <a:spcPts val="2000"/>
+              </a:spcAft>
+              <a:buNone/>
+            </a:pPr>
+            <a:r>
+              <a:rPr lang="el-GR" sz="2400" dirty="0" smtClean="0">
+                <a:solidFill>
+                  <a:prstClr val="black">
+                    <a:lumMod val="75000"/>
+                    <a:lumOff val="25000"/>
+                  </a:prstClr>
+                </a:solidFill>
+                <a:latin typeface="Segoe UI" panose="020B0502040204020203" pitchFamily="34" charset="0"/>
+                <a:cs typeface="Segoe UI" panose="020B0502040204020203" pitchFamily="34" charset="0"/>
+              </a:rPr>
+              <a:t>Όταν ο χρήστης πατήσει «Δημιουργία </a:t>
             </a:r>
             <a:r>
               <a:rPr lang="en-US" sz="2400" dirty="0" smtClean="0">
@@ -4065,7 +4386,7 @@
 </p:sld>
 </file>
 
-<file path=ppt/slides/slide11.xml><?xml version="1.0" encoding="utf-8"?>
+<file path=ppt/slides/slide12.xml><?xml version="1.0" encoding="utf-8"?>
 <p:sld xmlns:a="http://schemas.openxmlformats.org/drawingml/2006/main" xmlns:r="http://schemas.openxmlformats.org/officeDocument/2006/relationships" xmlns:p="http://schemas.openxmlformats.org/presentationml/2006/main">
   <p:cSld>
     <p:spTree>
@@ -4385,7 +4706,7 @@
 </p:sld>
 </file>
 
-<file path=ppt/slides/slide12.xml><?xml version="1.0" encoding="utf-8"?>
+<file path=ppt/slides/slide13.xml><?xml version="1.0" encoding="utf-8"?>
 <p:sld xmlns:a="http://schemas.openxmlformats.org/drawingml/2006/main" xmlns:r="http://schemas.openxmlformats.org/officeDocument/2006/relationships" xmlns:p="http://schemas.openxmlformats.org/presentationml/2006/main">
   <p:cSld>
     <p:spTree>
@@ -4556,16 +4877,6 @@
               </a:rPr>
               <a:t> </a:t>
             </a:r>
-            <a:endParaRPr lang="el-GR" sz="2400" dirty="0" smtClean="0">
-              <a:solidFill>
-                <a:prstClr val="black">
-                  <a:lumMod val="75000"/>
-                  <a:lumOff val="25000"/>
-                </a:prstClr>
-              </a:solidFill>
-              <a:latin typeface="Segoe UI" panose="020B0502040204020203" pitchFamily="34" charset="0"/>
-              <a:cs typeface="Segoe UI" panose="020B0502040204020203" pitchFamily="34" charset="0"/>
-            </a:endParaRPr>
           </a:p>
           <a:p>
             <a:pPr marL="0" indent="0" rtl="0">
@@ -4690,7 +5001,7 @@
 </p:sld>
 </file>
 
-<file path=ppt/slides/slide13.xml><?xml version="1.0" encoding="utf-8"?>
+<file path=ppt/slides/slide14.xml><?xml version="1.0" encoding="utf-8"?>
 <p:sld xmlns:a="http://schemas.openxmlformats.org/drawingml/2006/main" xmlns:r="http://schemas.openxmlformats.org/officeDocument/2006/relationships" xmlns:p="http://schemas.openxmlformats.org/presentationml/2006/main">
   <p:cSld>
     <p:spTree>
@@ -5063,16 +5374,6 @@
               </a:rPr>
               <a:t>React Native)</a:t>
             </a:r>
-            <a:endParaRPr lang="en-US" sz="2400" dirty="0" smtClean="0">
-              <a:solidFill>
-                <a:prstClr val="black">
-                  <a:lumMod val="75000"/>
-                  <a:lumOff val="25000"/>
-                </a:prstClr>
-              </a:solidFill>
-              <a:latin typeface="Segoe UI" panose="020B0502040204020203" pitchFamily="34" charset="0"/>
-              <a:cs typeface="Segoe UI" panose="020B0502040204020203" pitchFamily="34" charset="0"/>
-            </a:endParaRPr>
           </a:p>
           <a:p>
             <a:pPr marL="0" indent="0" rtl="0">
@@ -5101,275 +5402,6 @@
     <p:extLst>
       <p:ext uri="{BB962C8B-B14F-4D97-AF65-F5344CB8AC3E}">
         <p14:creationId xmlns:p14="http://schemas.microsoft.com/office/powerpoint/2010/main" val="3629073948"/>
-      </p:ext>
-    </p:extLst>
-  </p:cSld>
-  <p:clrMapOvr>
-    <a:masterClrMapping/>
-  </p:clrMapOvr>
-  <mc:AlternateContent xmlns:mc="http://schemas.openxmlformats.org/markup-compatibility/2006" xmlns:p14="http://schemas.microsoft.com/office/powerpoint/2010/main">
-    <mc:Choice Requires="p14">
-      <p:transition p14:dur="10"/>
-    </mc:Choice>
-    <mc:Fallback xmlns="">
-      <p:transition/>
-    </mc:Fallback>
-  </mc:AlternateContent>
-  <p:timing>
-    <p:tnLst>
-      <p:par>
-        <p:cTn id="1" dur="indefinite" restart="never" nodeType="tmRoot"/>
-      </p:par>
-    </p:tnLst>
-  </p:timing>
-</p:sld>
-</file>
-
-<file path=ppt/slides/slide14.xml><?xml version="1.0" encoding="utf-8"?>
-<p:sld xmlns:a="http://schemas.openxmlformats.org/drawingml/2006/main" xmlns:r="http://schemas.openxmlformats.org/officeDocument/2006/relationships" xmlns:p="http://schemas.openxmlformats.org/presentationml/2006/main">
-  <p:cSld>
-    <p:spTree>
-      <p:nvGrpSpPr>
-        <p:cNvPr id="1" name=""/>
-        <p:cNvGrpSpPr/>
-        <p:nvPr/>
-      </p:nvGrpSpPr>
-      <p:grpSpPr>
-        <a:xfrm>
-          <a:off x="0" y="0"/>
-          <a:ext cx="0" cy="0"/>
-          <a:chOff x="0" y="0"/>
-          <a:chExt cx="0" cy="0"/>
-        </a:xfrm>
-      </p:grpSpPr>
-      <p:sp>
-        <p:nvSpPr>
-          <p:cNvPr id="2" name="Τίτλος 1"/>
-          <p:cNvSpPr>
-            <a:spLocks noGrp="1"/>
-          </p:cNvSpPr>
-          <p:nvPr>
-            <p:ph type="title"/>
-          </p:nvPr>
-        </p:nvSpPr>
-        <p:spPr/>
-        <p:txBody>
-          <a:bodyPr rtlCol="0">
-            <a:normAutofit/>
-          </a:bodyPr>
-          <a:lstStyle/>
-          <a:p>
-            <a:pPr lvl="0" rtl="0"/>
-            <a:r>
-              <a:rPr lang="el-GR" dirty="0" smtClean="0">
-                <a:latin typeface="Segoe UI Light" panose="020B0502040204020203" pitchFamily="34" charset="0"/>
-                <a:cs typeface="Segoe UI Light" panose="020B0502040204020203" pitchFamily="34" charset="0"/>
-              </a:rPr>
-              <a:t>Βελτιώσεις</a:t>
-            </a:r>
-            <a:endParaRPr lang="el-GR" dirty="0">
-              <a:latin typeface="Segoe UI Light" panose="020B0502040204020203" pitchFamily="34" charset="0"/>
-              <a:cs typeface="Segoe UI Light" panose="020B0502040204020203" pitchFamily="34" charset="0"/>
-            </a:endParaRPr>
-          </a:p>
-        </p:txBody>
-      </p:sp>
-      <p:sp>
-        <p:nvSpPr>
-          <p:cNvPr id="5" name="Θέση περιεχομένου 4"/>
-          <p:cNvSpPr>
-            <a:spLocks noGrp="1"/>
-          </p:cNvSpPr>
-          <p:nvPr>
-            <p:ph sz="half" idx="4294967295"/>
-          </p:nvPr>
-        </p:nvSpPr>
-        <p:spPr>
-          <a:xfrm>
-            <a:off x="541609" y="1431010"/>
-            <a:ext cx="10901453" cy="4995916"/>
-          </a:xfrm>
-        </p:spPr>
-        <p:txBody>
-          <a:bodyPr vert="horz" lIns="91440" tIns="45720" rIns="91440" bIns="45720" rtlCol="0">
-            <a:normAutofit/>
-          </a:bodyPr>
-          <a:lstStyle/>
-          <a:p>
-            <a:pPr marL="342900" indent="-342900" rtl="0">
-              <a:spcBef>
-                <a:spcPts val="1000"/>
-              </a:spcBef>
-              <a:spcAft>
-                <a:spcPts val="2000"/>
-              </a:spcAft>
-              <a:buFont typeface="Arial" panose="020B0604020202020204" pitchFamily="34" charset="0"/>
-              <a:buChar char="•"/>
-            </a:pPr>
-            <a:r>
-              <a:rPr lang="el-GR" sz="2400" dirty="0" smtClean="0">
-                <a:solidFill>
-                  <a:prstClr val="black">
-                    <a:lumMod val="75000"/>
-                    <a:lumOff val="25000"/>
-                  </a:prstClr>
-                </a:solidFill>
-                <a:latin typeface="Segoe UI" panose="020B0502040204020203" pitchFamily="34" charset="0"/>
-                <a:cs typeface="Segoe UI" panose="020B0502040204020203" pitchFamily="34" charset="0"/>
-              </a:rPr>
-              <a:t>Προσθέτοντας πιο καλοδουλεμένα πρότυπα από τα οποία γίνεται η τυχαία επιλογή, θα υπάρξει πιο όμορφο αισθητικά αποτέλεσμα</a:t>
-            </a:r>
-            <a:r>
-              <a:rPr lang="en-US" sz="2400" dirty="0" smtClean="0">
-                <a:solidFill>
-                  <a:prstClr val="black">
-                    <a:lumMod val="75000"/>
-                    <a:lumOff val="25000"/>
-                  </a:prstClr>
-                </a:solidFill>
-                <a:latin typeface="Segoe UI" panose="020B0502040204020203" pitchFamily="34" charset="0"/>
-                <a:cs typeface="Segoe UI" panose="020B0502040204020203" pitchFamily="34" charset="0"/>
-              </a:rPr>
-              <a:t>.</a:t>
-            </a:r>
-            <a:endParaRPr lang="el-GR" sz="2400" dirty="0" smtClean="0">
-              <a:solidFill>
-                <a:prstClr val="black">
-                  <a:lumMod val="75000"/>
-                  <a:lumOff val="25000"/>
-                </a:prstClr>
-              </a:solidFill>
-              <a:latin typeface="Segoe UI" panose="020B0502040204020203" pitchFamily="34" charset="0"/>
-              <a:cs typeface="Segoe UI" panose="020B0502040204020203" pitchFamily="34" charset="0"/>
-            </a:endParaRPr>
-          </a:p>
-          <a:p>
-            <a:pPr marL="342900" indent="-342900" rtl="0">
-              <a:spcBef>
-                <a:spcPts val="1000"/>
-              </a:spcBef>
-              <a:spcAft>
-                <a:spcPts val="2000"/>
-              </a:spcAft>
-              <a:buFont typeface="Arial" panose="020B0604020202020204" pitchFamily="34" charset="0"/>
-              <a:buChar char="•"/>
-            </a:pPr>
-            <a:r>
-              <a:rPr lang="el-GR" sz="2400" dirty="0" smtClean="0">
-                <a:solidFill>
-                  <a:prstClr val="black">
-                    <a:lumMod val="75000"/>
-                    <a:lumOff val="25000"/>
-                  </a:prstClr>
-                </a:solidFill>
-                <a:latin typeface="Segoe UI" panose="020B0502040204020203" pitchFamily="34" charset="0"/>
-                <a:cs typeface="Segoe UI" panose="020B0502040204020203" pitchFamily="34" charset="0"/>
-              </a:rPr>
-              <a:t>Προσθήκη </a:t>
-            </a:r>
-            <a:r>
-              <a:rPr lang="en-US" sz="2400" dirty="0" smtClean="0">
-                <a:solidFill>
-                  <a:prstClr val="black">
-                    <a:lumMod val="75000"/>
-                    <a:lumOff val="25000"/>
-                  </a:prstClr>
-                </a:solidFill>
-                <a:latin typeface="Segoe UI" panose="020B0502040204020203" pitchFamily="34" charset="0"/>
-                <a:cs typeface="Segoe UI" panose="020B0502040204020203" pitchFamily="34" charset="0"/>
-              </a:rPr>
-              <a:t>placeholder tags</a:t>
-            </a:r>
-            <a:r>
-              <a:rPr lang="el-GR" sz="2400" dirty="0" smtClean="0">
-                <a:solidFill>
-                  <a:prstClr val="black">
-                    <a:lumMod val="75000"/>
-                    <a:lumOff val="25000"/>
-                  </a:prstClr>
-                </a:solidFill>
-                <a:latin typeface="Segoe UI" panose="020B0502040204020203" pitchFamily="34" charset="0"/>
-                <a:cs typeface="Segoe UI" panose="020B0502040204020203" pitchFamily="34" charset="0"/>
-              </a:rPr>
-              <a:t>, ώστε να επιλέγει περίπου ο χρήστης που θα εμφανίζονται τα </a:t>
-            </a:r>
-            <a:r>
-              <a:rPr lang="en-US" sz="2400" dirty="0" smtClean="0">
-                <a:solidFill>
-                  <a:prstClr val="black">
-                    <a:lumMod val="75000"/>
-                    <a:lumOff val="25000"/>
-                  </a:prstClr>
-                </a:solidFill>
-                <a:latin typeface="Segoe UI" panose="020B0502040204020203" pitchFamily="34" charset="0"/>
-                <a:cs typeface="Segoe UI" panose="020B0502040204020203" pitchFamily="34" charset="0"/>
-              </a:rPr>
-              <a:t>components </a:t>
-            </a:r>
-            <a:r>
-              <a:rPr lang="el-GR" sz="2400" dirty="0" err="1" smtClean="0">
-                <a:solidFill>
-                  <a:prstClr val="black">
-                    <a:lumMod val="75000"/>
-                    <a:lumOff val="25000"/>
-                  </a:prstClr>
-                </a:solidFill>
-                <a:latin typeface="Segoe UI" panose="020B0502040204020203" pitchFamily="34" charset="0"/>
-                <a:cs typeface="Segoe UI" panose="020B0502040204020203" pitchFamily="34" charset="0"/>
-              </a:rPr>
-              <a:t>π.χ</a:t>
-            </a:r>
-            <a:r>
-              <a:rPr lang="el-GR" sz="2400" dirty="0" smtClean="0">
-                <a:solidFill>
-                  <a:prstClr val="black">
-                    <a:lumMod val="75000"/>
-                    <a:lumOff val="25000"/>
-                  </a:prstClr>
-                </a:solidFill>
-                <a:latin typeface="Segoe UI" panose="020B0502040204020203" pitchFamily="34" charset="0"/>
-                <a:cs typeface="Segoe UI" panose="020B0502040204020203" pitchFamily="34" charset="0"/>
-              </a:rPr>
-              <a:t> να ζητάει τα κουμπιά να μπαίνουν στο κάτω αριστερά τμήμα του παραθύρου.</a:t>
-            </a:r>
-            <a:endParaRPr lang="en-US" sz="2400" dirty="0" smtClean="0">
-              <a:solidFill>
-                <a:prstClr val="black">
-                  <a:lumMod val="75000"/>
-                  <a:lumOff val="25000"/>
-                </a:prstClr>
-              </a:solidFill>
-              <a:latin typeface="Segoe UI" panose="020B0502040204020203" pitchFamily="34" charset="0"/>
-              <a:cs typeface="Segoe UI" panose="020B0502040204020203" pitchFamily="34" charset="0"/>
-            </a:endParaRPr>
-          </a:p>
-          <a:p>
-            <a:pPr marL="0" indent="0" rtl="0">
-              <a:spcBef>
-                <a:spcPts val="1000"/>
-              </a:spcBef>
-              <a:spcAft>
-                <a:spcPts val="2000"/>
-              </a:spcAft>
-              <a:buNone/>
-            </a:pPr>
-            <a:endParaRPr lang="en-US" sz="2400" dirty="0" smtClean="0">
-              <a:solidFill>
-                <a:prstClr val="black">
-                  <a:lumMod val="75000"/>
-                  <a:lumOff val="25000"/>
-                </a:prstClr>
-              </a:solidFill>
-              <a:latin typeface="Segoe UI" panose="020B0502040204020203" pitchFamily="34" charset="0"/>
-              <a:cs typeface="Segoe UI" panose="020B0502040204020203" pitchFamily="34" charset="0"/>
-            </a:endParaRPr>
-          </a:p>
-        </p:txBody>
-      </p:sp>
-    </p:spTree>
-    <p:extLst>
-      <p:ext uri="{BB962C8B-B14F-4D97-AF65-F5344CB8AC3E}">
-        <p14:creationId xmlns:p14="http://schemas.microsoft.com/office/powerpoint/2010/main" val="2102008874"/>
       </p:ext>
     </p:extLst>
   </p:cSld>
@@ -5413,6 +5445,275 @@
       </p:grpSpPr>
       <p:sp>
         <p:nvSpPr>
+          <p:cNvPr id="2" name="Τίτλος 1"/>
+          <p:cNvSpPr>
+            <a:spLocks noGrp="1"/>
+          </p:cNvSpPr>
+          <p:nvPr>
+            <p:ph type="title"/>
+          </p:nvPr>
+        </p:nvSpPr>
+        <p:spPr/>
+        <p:txBody>
+          <a:bodyPr rtlCol="0">
+            <a:normAutofit/>
+          </a:bodyPr>
+          <a:lstStyle/>
+          <a:p>
+            <a:pPr lvl="0" rtl="0"/>
+            <a:r>
+              <a:rPr lang="el-GR" dirty="0" smtClean="0">
+                <a:latin typeface="Segoe UI Light" panose="020B0502040204020203" pitchFamily="34" charset="0"/>
+                <a:cs typeface="Segoe UI Light" panose="020B0502040204020203" pitchFamily="34" charset="0"/>
+              </a:rPr>
+              <a:t>Βελτιώσεις</a:t>
+            </a:r>
+            <a:endParaRPr lang="el-GR" dirty="0">
+              <a:latin typeface="Segoe UI Light" panose="020B0502040204020203" pitchFamily="34" charset="0"/>
+              <a:cs typeface="Segoe UI Light" panose="020B0502040204020203" pitchFamily="34" charset="0"/>
+            </a:endParaRPr>
+          </a:p>
+        </p:txBody>
+      </p:sp>
+      <p:sp>
+        <p:nvSpPr>
+          <p:cNvPr id="5" name="Θέση περιεχομένου 4"/>
+          <p:cNvSpPr>
+            <a:spLocks noGrp="1"/>
+          </p:cNvSpPr>
+          <p:nvPr>
+            <p:ph sz="half" idx="4294967295"/>
+          </p:nvPr>
+        </p:nvSpPr>
+        <p:spPr>
+          <a:xfrm>
+            <a:off x="541609" y="1431010"/>
+            <a:ext cx="10901453" cy="4995916"/>
+          </a:xfrm>
+        </p:spPr>
+        <p:txBody>
+          <a:bodyPr vert="horz" lIns="91440" tIns="45720" rIns="91440" bIns="45720" rtlCol="0">
+            <a:normAutofit/>
+          </a:bodyPr>
+          <a:lstStyle/>
+          <a:p>
+            <a:pPr marL="342900" indent="-342900" rtl="0">
+              <a:spcBef>
+                <a:spcPts val="1000"/>
+              </a:spcBef>
+              <a:spcAft>
+                <a:spcPts val="2000"/>
+              </a:spcAft>
+              <a:buFont typeface="Arial" panose="020B0604020202020204" pitchFamily="34" charset="0"/>
+              <a:buChar char="•"/>
+            </a:pPr>
+            <a:r>
+              <a:rPr lang="el-GR" sz="2400" dirty="0" smtClean="0">
+                <a:solidFill>
+                  <a:prstClr val="black">
+                    <a:lumMod val="75000"/>
+                    <a:lumOff val="25000"/>
+                  </a:prstClr>
+                </a:solidFill>
+                <a:latin typeface="Segoe UI" panose="020B0502040204020203" pitchFamily="34" charset="0"/>
+                <a:cs typeface="Segoe UI" panose="020B0502040204020203" pitchFamily="34" charset="0"/>
+              </a:rPr>
+              <a:t>Προσθέτοντας πιο καλοδουλεμένα πρότυπα από τα οποία γίνεται η τυχαία επιλογή, θα υπάρξει πιο όμορφο αισθητικά αποτέλεσμα</a:t>
+            </a:r>
+            <a:r>
+              <a:rPr lang="en-US" sz="2400" dirty="0" smtClean="0">
+                <a:solidFill>
+                  <a:prstClr val="black">
+                    <a:lumMod val="75000"/>
+                    <a:lumOff val="25000"/>
+                  </a:prstClr>
+                </a:solidFill>
+                <a:latin typeface="Segoe UI" panose="020B0502040204020203" pitchFamily="34" charset="0"/>
+                <a:cs typeface="Segoe UI" panose="020B0502040204020203" pitchFamily="34" charset="0"/>
+              </a:rPr>
+              <a:t>.</a:t>
+            </a:r>
+            <a:endParaRPr lang="el-GR" sz="2400" dirty="0" smtClean="0">
+              <a:solidFill>
+                <a:prstClr val="black">
+                  <a:lumMod val="75000"/>
+                  <a:lumOff val="25000"/>
+                </a:prstClr>
+              </a:solidFill>
+              <a:latin typeface="Segoe UI" panose="020B0502040204020203" pitchFamily="34" charset="0"/>
+              <a:cs typeface="Segoe UI" panose="020B0502040204020203" pitchFamily="34" charset="0"/>
+            </a:endParaRPr>
+          </a:p>
+          <a:p>
+            <a:pPr marL="342900" indent="-342900" rtl="0">
+              <a:spcBef>
+                <a:spcPts val="1000"/>
+              </a:spcBef>
+              <a:spcAft>
+                <a:spcPts val="2000"/>
+              </a:spcAft>
+              <a:buFont typeface="Arial" panose="020B0604020202020204" pitchFamily="34" charset="0"/>
+              <a:buChar char="•"/>
+            </a:pPr>
+            <a:r>
+              <a:rPr lang="el-GR" sz="2400" dirty="0" smtClean="0">
+                <a:solidFill>
+                  <a:prstClr val="black">
+                    <a:lumMod val="75000"/>
+                    <a:lumOff val="25000"/>
+                  </a:prstClr>
+                </a:solidFill>
+                <a:latin typeface="Segoe UI" panose="020B0502040204020203" pitchFamily="34" charset="0"/>
+                <a:cs typeface="Segoe UI" panose="020B0502040204020203" pitchFamily="34" charset="0"/>
+              </a:rPr>
+              <a:t>Προσθήκη </a:t>
+            </a:r>
+            <a:r>
+              <a:rPr lang="en-US" sz="2400" dirty="0" smtClean="0">
+                <a:solidFill>
+                  <a:prstClr val="black">
+                    <a:lumMod val="75000"/>
+                    <a:lumOff val="25000"/>
+                  </a:prstClr>
+                </a:solidFill>
+                <a:latin typeface="Segoe UI" panose="020B0502040204020203" pitchFamily="34" charset="0"/>
+                <a:cs typeface="Segoe UI" panose="020B0502040204020203" pitchFamily="34" charset="0"/>
+              </a:rPr>
+              <a:t>placeholder tags</a:t>
+            </a:r>
+            <a:r>
+              <a:rPr lang="el-GR" sz="2400" dirty="0" smtClean="0">
+                <a:solidFill>
+                  <a:prstClr val="black">
+                    <a:lumMod val="75000"/>
+                    <a:lumOff val="25000"/>
+                  </a:prstClr>
+                </a:solidFill>
+                <a:latin typeface="Segoe UI" panose="020B0502040204020203" pitchFamily="34" charset="0"/>
+                <a:cs typeface="Segoe UI" panose="020B0502040204020203" pitchFamily="34" charset="0"/>
+              </a:rPr>
+              <a:t>, ώστε να επιλέγει περίπου ο χρήστης που θα εμφανίζονται τα </a:t>
+            </a:r>
+            <a:r>
+              <a:rPr lang="en-US" sz="2400" dirty="0" smtClean="0">
+                <a:solidFill>
+                  <a:prstClr val="black">
+                    <a:lumMod val="75000"/>
+                    <a:lumOff val="25000"/>
+                  </a:prstClr>
+                </a:solidFill>
+                <a:latin typeface="Segoe UI" panose="020B0502040204020203" pitchFamily="34" charset="0"/>
+                <a:cs typeface="Segoe UI" panose="020B0502040204020203" pitchFamily="34" charset="0"/>
+              </a:rPr>
+              <a:t>components </a:t>
+            </a:r>
+            <a:r>
+              <a:rPr lang="el-GR" sz="2400" dirty="0" err="1" smtClean="0">
+                <a:solidFill>
+                  <a:prstClr val="black">
+                    <a:lumMod val="75000"/>
+                    <a:lumOff val="25000"/>
+                  </a:prstClr>
+                </a:solidFill>
+                <a:latin typeface="Segoe UI" panose="020B0502040204020203" pitchFamily="34" charset="0"/>
+                <a:cs typeface="Segoe UI" panose="020B0502040204020203" pitchFamily="34" charset="0"/>
+              </a:rPr>
+              <a:t>π.χ</a:t>
+            </a:r>
+            <a:r>
+              <a:rPr lang="el-GR" sz="2400" dirty="0" smtClean="0">
+                <a:solidFill>
+                  <a:prstClr val="black">
+                    <a:lumMod val="75000"/>
+                    <a:lumOff val="25000"/>
+                  </a:prstClr>
+                </a:solidFill>
+                <a:latin typeface="Segoe UI" panose="020B0502040204020203" pitchFamily="34" charset="0"/>
+                <a:cs typeface="Segoe UI" panose="020B0502040204020203" pitchFamily="34" charset="0"/>
+              </a:rPr>
+              <a:t> να ζητάει τα κουμπιά να μπαίνουν στο κάτω αριστερά τμήμα του παραθύρου.</a:t>
+            </a:r>
+            <a:endParaRPr lang="en-US" sz="2400" dirty="0" smtClean="0">
+              <a:solidFill>
+                <a:prstClr val="black">
+                  <a:lumMod val="75000"/>
+                  <a:lumOff val="25000"/>
+                </a:prstClr>
+              </a:solidFill>
+              <a:latin typeface="Segoe UI" panose="020B0502040204020203" pitchFamily="34" charset="0"/>
+              <a:cs typeface="Segoe UI" panose="020B0502040204020203" pitchFamily="34" charset="0"/>
+            </a:endParaRPr>
+          </a:p>
+          <a:p>
+            <a:pPr marL="0" indent="0" rtl="0">
+              <a:spcBef>
+                <a:spcPts val="1000"/>
+              </a:spcBef>
+              <a:spcAft>
+                <a:spcPts val="2000"/>
+              </a:spcAft>
+              <a:buNone/>
+            </a:pPr>
+            <a:endParaRPr lang="en-US" sz="2400" dirty="0" smtClean="0">
+              <a:solidFill>
+                <a:prstClr val="black">
+                  <a:lumMod val="75000"/>
+                  <a:lumOff val="25000"/>
+                </a:prstClr>
+              </a:solidFill>
+              <a:latin typeface="Segoe UI" panose="020B0502040204020203" pitchFamily="34" charset="0"/>
+              <a:cs typeface="Segoe UI" panose="020B0502040204020203" pitchFamily="34" charset="0"/>
+            </a:endParaRPr>
+          </a:p>
+        </p:txBody>
+      </p:sp>
+    </p:spTree>
+    <p:extLst>
+      <p:ext uri="{BB962C8B-B14F-4D97-AF65-F5344CB8AC3E}">
+        <p14:creationId xmlns:p14="http://schemas.microsoft.com/office/powerpoint/2010/main" val="2102008874"/>
+      </p:ext>
+    </p:extLst>
+  </p:cSld>
+  <p:clrMapOvr>
+    <a:masterClrMapping/>
+  </p:clrMapOvr>
+  <mc:AlternateContent xmlns:mc="http://schemas.openxmlformats.org/markup-compatibility/2006" xmlns:p14="http://schemas.microsoft.com/office/powerpoint/2010/main">
+    <mc:Choice Requires="p14">
+      <p:transition p14:dur="10"/>
+    </mc:Choice>
+    <mc:Fallback xmlns="">
+      <p:transition/>
+    </mc:Fallback>
+  </mc:AlternateContent>
+  <p:timing>
+    <p:tnLst>
+      <p:par>
+        <p:cTn id="1" dur="indefinite" restart="never" nodeType="tmRoot"/>
+      </p:par>
+    </p:tnLst>
+  </p:timing>
+</p:sld>
+</file>
+
+<file path=ppt/slides/slide16.xml><?xml version="1.0" encoding="utf-8"?>
+<p:sld xmlns:a="http://schemas.openxmlformats.org/drawingml/2006/main" xmlns:r="http://schemas.openxmlformats.org/officeDocument/2006/relationships" xmlns:p="http://schemas.openxmlformats.org/presentationml/2006/main">
+  <p:cSld>
+    <p:spTree>
+      <p:nvGrpSpPr>
+        <p:cNvPr id="1" name=""/>
+        <p:cNvGrpSpPr/>
+        <p:nvPr/>
+      </p:nvGrpSpPr>
+      <p:grpSpPr>
+        <a:xfrm>
+          <a:off x="0" y="0"/>
+          <a:ext cx="0" cy="0"/>
+          <a:chOff x="0" y="0"/>
+          <a:chExt cx="0" cy="0"/>
+        </a:xfrm>
+      </p:grpSpPr>
+      <p:sp>
+        <p:nvSpPr>
           <p:cNvPr id="10" name="Τίτλος 9"/>
           <p:cNvSpPr>
             <a:spLocks noGrp="1"/>
@@ -5564,10 +5865,86 @@
                 </a:solidFill>
                 <a:latin typeface="Segoe UI Light" panose="020B0502040204020203" pitchFamily="34" charset="0"/>
                 <a:cs typeface="Segoe UI Light" panose="020B0502040204020203" pitchFamily="34" charset="0"/>
-              </a:rPr>
-              <a:t>https://react-native-template-builder.blogspot.com/2021/05/react-native-template-builder.html</a:t>
-            </a:r>
-            <a:endParaRPr lang="el-GR" sz="2000" b="1" dirty="0">
+                <a:hlinkClick r:id="rId3"/>
+              </a:rPr>
+              <a:t>https://</a:t>
+            </a:r>
+            <a:r>
+              <a:rPr lang="en-US" sz="2200" b="1" dirty="0" smtClean="0">
+                <a:solidFill>
+                  <a:schemeClr val="accent1">
+                    <a:lumMod val="50000"/>
+                  </a:schemeClr>
+                </a:solidFill>
+                <a:latin typeface="Segoe UI Light" panose="020B0502040204020203" pitchFamily="34" charset="0"/>
+                <a:cs typeface="Segoe UI Light" panose="020B0502040204020203" pitchFamily="34" charset="0"/>
+                <a:hlinkClick r:id="rId3"/>
+              </a:rPr>
+              <a:t>react-native-template-builder.blogspot.com/2021/05/react-native-template-builder.html</a:t>
+            </a:r>
+            <a:endParaRPr lang="el-GR" sz="2200" b="1" dirty="0" smtClean="0">
+              <a:solidFill>
+                <a:schemeClr val="accent1">
+                  <a:lumMod val="50000"/>
+                </a:schemeClr>
+              </a:solidFill>
+              <a:latin typeface="Segoe UI Light" panose="020B0502040204020203" pitchFamily="34" charset="0"/>
+              <a:cs typeface="Segoe UI Light" panose="020B0502040204020203" pitchFamily="34" charset="0"/>
+            </a:endParaRPr>
+          </a:p>
+          <a:p>
+            <a:pPr>
+              <a:lnSpc>
+                <a:spcPts val="3600"/>
+              </a:lnSpc>
+              <a:spcAft>
+                <a:spcPts val="0"/>
+              </a:spcAft>
+            </a:pPr>
+            <a:r>
+              <a:rPr lang="el-GR" sz="2000" u="sng" dirty="0" smtClean="0">
+                <a:latin typeface="Segoe UI Light" panose="020B0502040204020203" pitchFamily="34" charset="0"/>
+                <a:cs typeface="Segoe UI Light" panose="020B0502040204020203" pitchFamily="34" charset="0"/>
+              </a:rPr>
+              <a:t>Ο κώδικας της εφαρμογής διατίθεται ως </a:t>
+            </a:r>
+            <a:r>
+              <a:rPr lang="en-US" sz="2000" u="sng" dirty="0" smtClean="0">
+                <a:latin typeface="Segoe UI Light" panose="020B0502040204020203" pitchFamily="34" charset="0"/>
+                <a:cs typeface="Segoe UI Light" panose="020B0502040204020203" pitchFamily="34" charset="0"/>
+              </a:rPr>
+              <a:t>open source </a:t>
+            </a:r>
+            <a:r>
+              <a:rPr lang="el-GR" sz="2000" u="sng" dirty="0" smtClean="0">
+                <a:latin typeface="Segoe UI Light" panose="020B0502040204020203" pitchFamily="34" charset="0"/>
+                <a:cs typeface="Segoe UI Light" panose="020B0502040204020203" pitchFamily="34" charset="0"/>
+              </a:rPr>
+              <a:t>στο</a:t>
+            </a:r>
+          </a:p>
+          <a:p>
+            <a:pPr>
+              <a:lnSpc>
+                <a:spcPts val="3600"/>
+              </a:lnSpc>
+              <a:spcAft>
+                <a:spcPts val="0"/>
+              </a:spcAft>
+            </a:pPr>
+            <a:r>
+              <a:rPr lang="en-US" sz="2200" b="1" dirty="0">
+                <a:solidFill>
+                  <a:schemeClr val="accent1">
+                    <a:lumMod val="50000"/>
+                  </a:schemeClr>
+                </a:solidFill>
+                <a:latin typeface="Segoe UI Light" panose="020B0502040204020203" pitchFamily="34" charset="0"/>
+                <a:cs typeface="Segoe UI Light" panose="020B0502040204020203" pitchFamily="34" charset="0"/>
+              </a:rPr>
+              <a:t>https://github.com/Vuxxs/react-native-template-builder</a:t>
+            </a:r>
+            <a:endParaRPr lang="el-GR" sz="2200" b="1" dirty="0">
               <a:solidFill>
                 <a:schemeClr val="accent1">
                   <a:lumMod val="50000"/>
@@ -5984,8 +6361,19 @@
                 <a:latin typeface="Segoe UI" panose="020B0502040204020203" pitchFamily="34" charset="0"/>
                 <a:cs typeface="Segoe UI" panose="020B0502040204020203" pitchFamily="34" charset="0"/>
               </a:rPr>
-              <a:t>React Native</a:t>
-            </a:r>
+              <a:t>React </a:t>
+            </a:r>
+            <a:r>
+              <a:rPr lang="en-US" sz="2400" dirty="0" smtClean="0">
+                <a:latin typeface="Segoe UI" panose="020B0502040204020203" pitchFamily="34" charset="0"/>
+                <a:cs typeface="Segoe UI" panose="020B0502040204020203" pitchFamily="34" charset="0"/>
+              </a:rPr>
+              <a:t>Native</a:t>
+            </a:r>
+            <a:endParaRPr lang="el-GR" sz="2400" dirty="0" smtClean="0">
+              <a:latin typeface="Segoe UI" panose="020B0502040204020203" pitchFamily="34" charset="0"/>
+              <a:cs typeface="Segoe UI" panose="020B0502040204020203" pitchFamily="34" charset="0"/>
+            </a:endParaRPr>
           </a:p>
           <a:p>
             <a:pPr>
@@ -5998,7 +6386,7 @@
               <a:defRPr/>
             </a:pPr>
             <a:r>
-              <a:rPr lang="el-GR" sz="2400" dirty="0" smtClean="0">
+              <a:rPr lang="el-GR" sz="2400" dirty="0">
                 <a:latin typeface="Segoe UI" panose="020B0502040204020203" pitchFamily="34" charset="0"/>
                 <a:cs typeface="Segoe UI" panose="020B0502040204020203" pitchFamily="34" charset="0"/>
               </a:rPr>
@@ -6009,17 +6397,10 @@
                 <a:latin typeface="Segoe UI" panose="020B0502040204020203" pitchFamily="34" charset="0"/>
                 <a:cs typeface="Segoe UI" panose="020B0502040204020203" pitchFamily="34" charset="0"/>
               </a:rPr>
-              <a:t>layouts </a:t>
-            </a:r>
-            <a:r>
-              <a:rPr lang="en-US" sz="2400" dirty="0" smtClean="0">
-                <a:latin typeface="Segoe UI" panose="020B0502040204020203" pitchFamily="34" charset="0"/>
-                <a:cs typeface="Segoe UI" panose="020B0502040204020203" pitchFamily="34" charset="0"/>
-              </a:rPr>
-              <a:t>React Native</a:t>
-            </a:r>
-            <a:r>
-              <a:rPr lang="el-GR" sz="2400" dirty="0" smtClean="0">
+              <a:t>layouts React Native</a:t>
+            </a:r>
+            <a:r>
+              <a:rPr lang="el-GR" sz="2400" dirty="0">
                 <a:latin typeface="Segoe UI" panose="020B0502040204020203" pitchFamily="34" charset="0"/>
                 <a:cs typeface="Segoe UI" panose="020B0502040204020203" pitchFamily="34" charset="0"/>
               </a:rPr>
@@ -6031,13 +6412,30 @@
             </a:endParaRPr>
           </a:p>
           <a:p>
-            <a:pPr>
+            <a:pPr marL="0" indent="0">
               <a:lnSpc>
                 <a:spcPct val="150000"/>
               </a:lnSpc>
               <a:spcAft>
                 <a:spcPts val="600"/>
               </a:spcAft>
+              <a:buNone/>
+              <a:defRPr/>
+            </a:pPr>
+            <a:endParaRPr lang="en-US" sz="2400" dirty="0" smtClean="0">
+              <a:latin typeface="Segoe UI" panose="020B0502040204020203" pitchFamily="34" charset="0"/>
+              <a:cs typeface="Segoe UI" panose="020B0502040204020203" pitchFamily="34" charset="0"/>
+            </a:endParaRPr>
+          </a:p>
+          <a:p>
+            <a:pPr marL="0" indent="0">
+              <a:lnSpc>
+                <a:spcPct val="150000"/>
+              </a:lnSpc>
+              <a:spcAft>
+                <a:spcPts val="600"/>
+              </a:spcAft>
+              <a:buNone/>
               <a:defRPr/>
             </a:pPr>
             <a:endParaRPr lang="en-US" sz="2400" dirty="0" smtClean="0">
@@ -6891,20 +7289,7 @@
                 <a:latin typeface="Segoe UI" panose="020B0502040204020203" pitchFamily="34" charset="0"/>
                 <a:cs typeface="Segoe UI" panose="020B0502040204020203" pitchFamily="34" charset="0"/>
               </a:rPr>
-              <a:t>Τρ</a:t>
-            </a:r>
-            <a:r>
-              <a:rPr lang="el-GR" sz="2400" dirty="0" smtClean="0">
-                <a:solidFill>
-                  <a:prstClr val="black">
-                    <a:lumMod val="75000"/>
-                    <a:lumOff val="25000"/>
-                  </a:prstClr>
-                </a:solidFill>
-                <a:latin typeface="Segoe UI" panose="020B0502040204020203" pitchFamily="34" charset="0"/>
-                <a:cs typeface="Segoe UI" panose="020B0502040204020203" pitchFamily="34" charset="0"/>
-              </a:rPr>
-              <a:t>έχοντας το πρόγραμμα εμφανίζεται το </a:t>
+              <a:t>Τρέχοντας το πρόγραμμα εμφανίζεται το </a:t>
             </a:r>
             <a:r>
               <a:rPr lang="en-US" sz="2400" dirty="0" smtClean="0">
@@ -7372,20 +7757,7 @@
                 <a:latin typeface="Segoe UI" panose="020B0502040204020203" pitchFamily="34" charset="0"/>
                 <a:cs typeface="Segoe UI" panose="020B0502040204020203" pitchFamily="34" charset="0"/>
               </a:rPr>
-              <a:t>Ο </a:t>
-            </a:r>
-            <a:r>
-              <a:rPr lang="el-GR" sz="3400" dirty="0" smtClean="0">
-                <a:solidFill>
-                  <a:prstClr val="black">
-                    <a:lumMod val="75000"/>
-                    <a:lumOff val="25000"/>
-                  </a:prstClr>
-                </a:solidFill>
-                <a:latin typeface="Segoe UI" panose="020B0502040204020203" pitchFamily="34" charset="0"/>
-                <a:cs typeface="Segoe UI" panose="020B0502040204020203" pitchFamily="34" charset="0"/>
-              </a:rPr>
-              <a:t>χρήστης / </a:t>
+              <a:t>Ο χρήστης / </a:t>
             </a:r>
             <a:r>
               <a:rPr lang="en-US" sz="3400" dirty="0" smtClean="0">
@@ -8225,13 +8597,13 @@
         </p:nvSpPr>
         <p:spPr>
           <a:xfrm>
-            <a:off x="541610" y="1431010"/>
-            <a:ext cx="5610995" cy="4932203"/>
+            <a:off x="541610" y="1431011"/>
+            <a:ext cx="5610995" cy="1926144"/>
           </a:xfrm>
         </p:spPr>
         <p:txBody>
           <a:bodyPr vert="horz" lIns="91440" tIns="45720" rIns="91440" bIns="45720" rtlCol="0">
-            <a:normAutofit fontScale="92500" lnSpcReduction="20000"/>
+            <a:normAutofit/>
           </a:bodyPr>
           <a:lstStyle/>
           <a:p>
@@ -8309,237 +8681,7 @@
               </a:rPr>
               <a:t>.</a:t>
             </a:r>
-          </a:p>
-          <a:p>
-            <a:pPr marL="0" indent="0" rtl="0">
-              <a:spcBef>
-                <a:spcPts val="1000"/>
-              </a:spcBef>
-              <a:spcAft>
-                <a:spcPts val="2000"/>
-              </a:spcAft>
-              <a:buNone/>
-            </a:pPr>
-            <a:r>
-              <a:rPr lang="el-GR" sz="2400" dirty="0" smtClean="0">
-                <a:solidFill>
-                  <a:prstClr val="black">
-                    <a:lumMod val="75000"/>
-                    <a:lumOff val="25000"/>
-                  </a:prstClr>
-                </a:solidFill>
-                <a:latin typeface="Segoe UI" panose="020B0502040204020203" pitchFamily="34" charset="0"/>
-                <a:cs typeface="Segoe UI" panose="020B0502040204020203" pitchFamily="34" charset="0"/>
-              </a:rPr>
-              <a:t>Παράλληλα έχουμε ετοιμάσει κάποια πρότυπα </a:t>
-            </a:r>
-            <a:r>
-              <a:rPr lang="en-US" sz="2400" dirty="0" smtClean="0">
-                <a:solidFill>
-                  <a:prstClr val="black">
-                    <a:lumMod val="75000"/>
-                    <a:lumOff val="25000"/>
-                  </a:prstClr>
-                </a:solidFill>
-                <a:latin typeface="Segoe UI" panose="020B0502040204020203" pitchFamily="34" charset="0"/>
-                <a:cs typeface="Segoe UI" panose="020B0502040204020203" pitchFamily="34" charset="0"/>
-              </a:rPr>
-              <a:t>templates </a:t>
-            </a:r>
-            <a:r>
-              <a:rPr lang="el-GR" sz="2400" dirty="0" smtClean="0">
-                <a:solidFill>
-                  <a:prstClr val="black">
-                    <a:lumMod val="75000"/>
-                    <a:lumOff val="25000"/>
-                  </a:prstClr>
-                </a:solidFill>
-                <a:latin typeface="Segoe UI" panose="020B0502040204020203" pitchFamily="34" charset="0"/>
-                <a:cs typeface="Segoe UI" panose="020B0502040204020203" pitchFamily="34" charset="0"/>
-              </a:rPr>
-              <a:t>με </a:t>
-            </a:r>
-            <a:r>
-              <a:rPr lang="en-US" sz="2400" dirty="0" smtClean="0">
-                <a:solidFill>
-                  <a:prstClr val="black">
-                    <a:lumMod val="75000"/>
-                    <a:lumOff val="25000"/>
-                  </a:prstClr>
-                </a:solidFill>
-                <a:latin typeface="Segoe UI" panose="020B0502040204020203" pitchFamily="34" charset="0"/>
-                <a:cs typeface="Segoe UI" panose="020B0502040204020203" pitchFamily="34" charset="0"/>
-              </a:rPr>
-              <a:t>react native </a:t>
-            </a:r>
-            <a:r>
-              <a:rPr lang="el-GR" sz="2400" dirty="0" smtClean="0">
-                <a:solidFill>
-                  <a:prstClr val="black">
-                    <a:lumMod val="75000"/>
-                    <a:lumOff val="25000"/>
-                  </a:prstClr>
-                </a:solidFill>
-                <a:latin typeface="Segoe UI" panose="020B0502040204020203" pitchFamily="34" charset="0"/>
-                <a:cs typeface="Segoe UI" panose="020B0502040204020203" pitchFamily="34" charset="0"/>
-              </a:rPr>
-              <a:t>περιεχόμενο.</a:t>
-            </a:r>
-          </a:p>
-          <a:p>
-            <a:pPr marL="0" indent="0" rtl="0">
-              <a:spcBef>
-                <a:spcPts val="1000"/>
-              </a:spcBef>
-              <a:spcAft>
-                <a:spcPts val="2000"/>
-              </a:spcAft>
-              <a:buNone/>
-            </a:pPr>
-            <a:r>
-              <a:rPr lang="el-GR" sz="2400" dirty="0" smtClean="0">
-                <a:solidFill>
-                  <a:prstClr val="black">
-                    <a:lumMod val="75000"/>
-                    <a:lumOff val="25000"/>
-                  </a:prstClr>
-                </a:solidFill>
-                <a:latin typeface="Segoe UI" panose="020B0502040204020203" pitchFamily="34" charset="0"/>
-                <a:cs typeface="Segoe UI" panose="020B0502040204020203" pitchFamily="34" charset="0"/>
-              </a:rPr>
-              <a:t>Στο φάκελο </a:t>
-            </a:r>
-            <a:r>
-              <a:rPr lang="en-US" sz="2400" dirty="0" smtClean="0">
-                <a:solidFill>
-                  <a:prstClr val="black">
-                    <a:lumMod val="75000"/>
-                    <a:lumOff val="25000"/>
-                  </a:prstClr>
-                </a:solidFill>
-                <a:latin typeface="Segoe UI" panose="020B0502040204020203" pitchFamily="34" charset="0"/>
-                <a:cs typeface="Segoe UI" panose="020B0502040204020203" pitchFamily="34" charset="0"/>
-              </a:rPr>
-              <a:t>Top </a:t>
-            </a:r>
-            <a:r>
-              <a:rPr lang="el-GR" sz="2400" dirty="0" smtClean="0">
-                <a:solidFill>
-                  <a:prstClr val="black">
-                    <a:lumMod val="75000"/>
-                    <a:lumOff val="25000"/>
-                  </a:prstClr>
-                </a:solidFill>
-                <a:latin typeface="Segoe UI" panose="020B0502040204020203" pitchFamily="34" charset="0"/>
-                <a:cs typeface="Segoe UI" panose="020B0502040204020203" pitchFamily="34" charset="0"/>
-              </a:rPr>
-              <a:t>υπάρχουν πρότυπα για το </a:t>
-            </a:r>
-            <a:r>
-              <a:rPr lang="en-US" sz="2400" dirty="0" smtClean="0">
-                <a:solidFill>
-                  <a:prstClr val="black">
-                    <a:lumMod val="75000"/>
-                    <a:lumOff val="25000"/>
-                  </a:prstClr>
-                </a:solidFill>
-                <a:latin typeface="Segoe UI" panose="020B0502040204020203" pitchFamily="34" charset="0"/>
-                <a:cs typeface="Segoe UI" panose="020B0502040204020203" pitchFamily="34" charset="0"/>
-              </a:rPr>
-              <a:t>header </a:t>
-            </a:r>
-            <a:r>
-              <a:rPr lang="el-GR" sz="2400" dirty="0" smtClean="0">
-                <a:solidFill>
-                  <a:prstClr val="black">
-                    <a:lumMod val="75000"/>
-                    <a:lumOff val="25000"/>
-                  </a:prstClr>
-                </a:solidFill>
-                <a:latin typeface="Segoe UI" panose="020B0502040204020203" pitchFamily="34" charset="0"/>
-                <a:cs typeface="Segoe UI" panose="020B0502040204020203" pitchFamily="34" charset="0"/>
-              </a:rPr>
-              <a:t>του αποτελέσματος και στο </a:t>
-            </a:r>
-            <a:r>
-              <a:rPr lang="en-US" sz="2400" dirty="0" smtClean="0">
-                <a:solidFill>
-                  <a:prstClr val="black">
-                    <a:lumMod val="75000"/>
-                    <a:lumOff val="25000"/>
-                  </a:prstClr>
-                </a:solidFill>
-                <a:latin typeface="Segoe UI" panose="020B0502040204020203" pitchFamily="34" charset="0"/>
-                <a:cs typeface="Segoe UI" panose="020B0502040204020203" pitchFamily="34" charset="0"/>
-              </a:rPr>
-              <a:t>Bottom </a:t>
-            </a:r>
-            <a:r>
-              <a:rPr lang="el-GR" sz="2400" dirty="0" smtClean="0">
-                <a:solidFill>
-                  <a:prstClr val="black">
-                    <a:lumMod val="75000"/>
-                    <a:lumOff val="25000"/>
-                  </a:prstClr>
-                </a:solidFill>
-                <a:latin typeface="Segoe UI" panose="020B0502040204020203" pitchFamily="34" charset="0"/>
-                <a:cs typeface="Segoe UI" panose="020B0502040204020203" pitchFamily="34" charset="0"/>
-              </a:rPr>
-              <a:t>για το </a:t>
-            </a:r>
-            <a:r>
-              <a:rPr lang="en-US" sz="2400" dirty="0" smtClean="0">
-                <a:solidFill>
-                  <a:prstClr val="black">
-                    <a:lumMod val="75000"/>
-                    <a:lumOff val="25000"/>
-                  </a:prstClr>
-                </a:solidFill>
-                <a:latin typeface="Segoe UI" panose="020B0502040204020203" pitchFamily="34" charset="0"/>
-                <a:cs typeface="Segoe UI" panose="020B0502040204020203" pitchFamily="34" charset="0"/>
-              </a:rPr>
-              <a:t>footer. </a:t>
-            </a:r>
-            <a:r>
-              <a:rPr lang="el-GR" sz="2400" dirty="0" smtClean="0">
-                <a:solidFill>
-                  <a:prstClr val="black">
-                    <a:lumMod val="75000"/>
-                    <a:lumOff val="25000"/>
-                  </a:prstClr>
-                </a:solidFill>
-                <a:latin typeface="Segoe UI" panose="020B0502040204020203" pitchFamily="34" charset="0"/>
-                <a:cs typeface="Segoe UI" panose="020B0502040204020203" pitchFamily="34" charset="0"/>
-              </a:rPr>
-              <a:t>Αυτά </a:t>
-            </a:r>
-            <a:r>
-              <a:rPr lang="el-GR" sz="2400" b="1" dirty="0" smtClean="0">
-                <a:solidFill>
-                  <a:prstClr val="black">
-                    <a:lumMod val="75000"/>
-                    <a:lumOff val="25000"/>
-                  </a:prstClr>
-                </a:solidFill>
-                <a:latin typeface="Segoe UI" panose="020B0502040204020203" pitchFamily="34" charset="0"/>
-                <a:cs typeface="Segoe UI" panose="020B0502040204020203" pitchFamily="34" charset="0"/>
-              </a:rPr>
-              <a:t>επιλέγονται τυχαία </a:t>
-            </a:r>
-            <a:r>
-              <a:rPr lang="el-GR" sz="2400" dirty="0" smtClean="0">
-                <a:solidFill>
-                  <a:prstClr val="black">
-                    <a:lumMod val="75000"/>
-                    <a:lumOff val="25000"/>
-                  </a:prstClr>
-                </a:solidFill>
-                <a:latin typeface="Segoe UI" panose="020B0502040204020203" pitchFamily="34" charset="0"/>
-                <a:cs typeface="Segoe UI" panose="020B0502040204020203" pitchFamily="34" charset="0"/>
-              </a:rPr>
-              <a:t>σε κάθε εκτέλεση.</a:t>
-            </a:r>
-            <a:endParaRPr lang="el-GR" sz="2400" dirty="0">
+            <a:endParaRPr lang="el-GR" sz="2400" dirty="0" smtClean="0">
               <a:solidFill>
                 <a:prstClr val="black">
                   <a:lumMod val="75000"/>
@@ -8554,7 +8696,7 @@
       </p:sp>
       <p:pic>
         <p:nvPicPr>
-          <p:cNvPr id="3" name="Εικόνα 2"/>
+          <p:cNvPr id="6" name="Εικόνα 5"/>
           <p:cNvPicPr>
             <a:picLocks noChangeAspect="1"/>
           </p:cNvPicPr>
@@ -8568,8 +8710,56 @@
         </p:blipFill>
         <p:spPr>
           <a:xfrm>
-            <a:off x="6895964" y="1584823"/>
-            <a:ext cx="2861991" cy="4778390"/>
+            <a:off x="795257" y="2858386"/>
+            <a:ext cx="4699100" cy="2025802"/>
+          </a:xfrm>
+          <a:prstGeom prst="rect">
+            <a:avLst/>
+          </a:prstGeom>
+        </p:spPr>
+      </p:pic>
+      <p:pic>
+        <p:nvPicPr>
+          <p:cNvPr id="7" name="Εικόνα 6"/>
+          <p:cNvPicPr>
+            <a:picLocks noChangeAspect="1"/>
+          </p:cNvPicPr>
+          <p:nvPr/>
+        </p:nvPicPr>
+        <p:blipFill>
+          <a:blip r:embed="rId4"/>
+          <a:stretch>
+            <a:fillRect/>
+          </a:stretch>
+        </p:blipFill>
+        <p:spPr>
+          <a:xfrm>
+            <a:off x="6152605" y="4787897"/>
+            <a:ext cx="4699100" cy="1446617"/>
+          </a:xfrm>
+          <a:prstGeom prst="rect">
+            <a:avLst/>
+          </a:prstGeom>
+        </p:spPr>
+      </p:pic>
+      <p:pic>
+        <p:nvPicPr>
+          <p:cNvPr id="8" name="Εικόνα 7"/>
+          <p:cNvPicPr>
+            <a:picLocks noChangeAspect="1"/>
+          </p:cNvPicPr>
+          <p:nvPr/>
+        </p:nvPicPr>
+        <p:blipFill>
+          <a:blip r:embed="rId5"/>
+          <a:stretch>
+            <a:fillRect/>
+          </a:stretch>
+        </p:blipFill>
+        <p:spPr>
+          <a:xfrm>
+            <a:off x="6152605" y="2518878"/>
+            <a:ext cx="4699100" cy="1502988"/>
           </a:xfrm>
           <a:prstGeom prst="rect">
             <a:avLst/>
@@ -8695,7 +8885,20 @@
                 <a:latin typeface="Segoe UI" panose="020B0502040204020203" pitchFamily="34" charset="0"/>
                 <a:cs typeface="Segoe UI" panose="020B0502040204020203" pitchFamily="34" charset="0"/>
               </a:rPr>
-              <a:t>Επίσης υπάρχουν πρότυπα </a:t>
+              <a:t>Στο </a:t>
+            </a:r>
+            <a:r>
+              <a:rPr lang="el-GR" sz="2400" dirty="0" smtClean="0">
+                <a:solidFill>
+                  <a:prstClr val="black">
+                    <a:lumMod val="75000"/>
+                    <a:lumOff val="25000"/>
+                  </a:prstClr>
+                </a:solidFill>
+                <a:latin typeface="Segoe UI" panose="020B0502040204020203" pitchFamily="34" charset="0"/>
+                <a:cs typeface="Segoe UI" panose="020B0502040204020203" pitchFamily="34" charset="0"/>
+              </a:rPr>
+              <a:t>φάκελο </a:t>
             </a:r>
             <a:r>
               <a:rPr lang="en-US" sz="2400" dirty="0" smtClean="0">
@@ -8708,7 +8911,7 @@
                 <a:latin typeface="Segoe UI" panose="020B0502040204020203" pitchFamily="34" charset="0"/>
                 <a:cs typeface="Segoe UI" panose="020B0502040204020203" pitchFamily="34" charset="0"/>
               </a:rPr>
-              <a:t>templates </a:t>
+              <a:t>Top </a:t>
             </a:r>
             <a:r>
               <a:rPr lang="el-GR" sz="2400" dirty="0" smtClean="0">
@@ -8721,7 +8924,7 @@
                 <a:latin typeface="Segoe UI" panose="020B0502040204020203" pitchFamily="34" charset="0"/>
                 <a:cs typeface="Segoe UI" panose="020B0502040204020203" pitchFamily="34" charset="0"/>
               </a:rPr>
-              <a:t>με </a:t>
+              <a:t>υπάρχουν πρότυπα για το </a:t>
             </a:r>
             <a:r>
               <a:rPr lang="en-US" sz="2400" dirty="0" smtClean="0">
@@ -8734,7 +8937,7 @@
                 <a:latin typeface="Segoe UI" panose="020B0502040204020203" pitchFamily="34" charset="0"/>
                 <a:cs typeface="Segoe UI" panose="020B0502040204020203" pitchFamily="34" charset="0"/>
               </a:rPr>
-              <a:t>stylesheets</a:t>
+              <a:t>header </a:t>
             </a:r>
             <a:r>
               <a:rPr lang="el-GR" sz="2400" dirty="0" smtClean="0">
@@ -8747,8 +8950,57 @@
                 <a:latin typeface="Segoe UI" panose="020B0502040204020203" pitchFamily="34" charset="0"/>
                 <a:cs typeface="Segoe UI" panose="020B0502040204020203" pitchFamily="34" charset="0"/>
               </a:rPr>
-              <a:t>.</a:t>
-            </a:r>
+              <a:t>του αποτελέσματος και στο </a:t>
+            </a:r>
+            <a:r>
+              <a:rPr lang="en-US" sz="2400" dirty="0" smtClean="0">
+                <a:solidFill>
+                  <a:prstClr val="black">
+                    <a:lumMod val="75000"/>
+                    <a:lumOff val="25000"/>
+                  </a:prstClr>
+                </a:solidFill>
+                <a:latin typeface="Segoe UI" panose="020B0502040204020203" pitchFamily="34" charset="0"/>
+                <a:cs typeface="Segoe UI" panose="020B0502040204020203" pitchFamily="34" charset="0"/>
+              </a:rPr>
+              <a:t>Bottom </a:t>
+            </a:r>
+            <a:r>
+              <a:rPr lang="el-GR" sz="2400" dirty="0" smtClean="0">
+                <a:solidFill>
+                  <a:prstClr val="black">
+                    <a:lumMod val="75000"/>
+                    <a:lumOff val="25000"/>
+                  </a:prstClr>
+                </a:solidFill>
+                <a:latin typeface="Segoe UI" panose="020B0502040204020203" pitchFamily="34" charset="0"/>
+                <a:cs typeface="Segoe UI" panose="020B0502040204020203" pitchFamily="34" charset="0"/>
+              </a:rPr>
+              <a:t>για το </a:t>
+            </a:r>
+            <a:r>
+              <a:rPr lang="en-US" sz="2400" dirty="0" smtClean="0">
+                <a:solidFill>
+                  <a:prstClr val="black">
+                    <a:lumMod val="75000"/>
+                    <a:lumOff val="25000"/>
+                  </a:prstClr>
+                </a:solidFill>
+                <a:latin typeface="Segoe UI" panose="020B0502040204020203" pitchFamily="34" charset="0"/>
+                <a:cs typeface="Segoe UI" panose="020B0502040204020203" pitchFamily="34" charset="0"/>
+              </a:rPr>
+              <a:t>footer. </a:t>
+            </a:r>
+            <a:endParaRPr lang="el-GR" sz="2400" dirty="0" smtClean="0">
+              <a:solidFill>
+                <a:prstClr val="black">
+                  <a:lumMod val="75000"/>
+                  <a:lumOff val="25000"/>
+                </a:prstClr>
+              </a:solidFill>
+              <a:latin typeface="Segoe UI" panose="020B0502040204020203" pitchFamily="34" charset="0"/>
+              <a:cs typeface="Segoe UI" panose="020B0502040204020203" pitchFamily="34" charset="0"/>
+            </a:endParaRPr>
           </a:p>
           <a:p>
             <a:pPr marL="0" indent="0" rtl="0">
@@ -8771,7 +9023,20 @@
                 <a:latin typeface="Segoe UI" panose="020B0502040204020203" pitchFamily="34" charset="0"/>
                 <a:cs typeface="Segoe UI" panose="020B0502040204020203" pitchFamily="34" charset="0"/>
               </a:rPr>
-              <a:t>Και α</a:t>
+              <a:t>Αυτά </a:t>
+            </a:r>
+            <a:r>
+              <a:rPr lang="el-GR" sz="2400" b="1" dirty="0" smtClean="0">
+                <a:solidFill>
+                  <a:prstClr val="black">
+                    <a:lumMod val="75000"/>
+                    <a:lumOff val="25000"/>
+                  </a:prstClr>
+                </a:solidFill>
+                <a:latin typeface="Segoe UI" panose="020B0502040204020203" pitchFamily="34" charset="0"/>
+                <a:cs typeface="Segoe UI" panose="020B0502040204020203" pitchFamily="34" charset="0"/>
+              </a:rPr>
+              <a:t>επιλέγονται τυχαία </a:t>
             </a:r>
             <a:r>
               <a:rPr lang="el-GR" sz="2400" dirty="0" smtClean="0">
@@ -8784,59 +9049,7 @@
                 <a:latin typeface="Segoe UI" panose="020B0502040204020203" pitchFamily="34" charset="0"/>
                 <a:cs typeface="Segoe UI" panose="020B0502040204020203" pitchFamily="34" charset="0"/>
               </a:rPr>
-              <a:t>υτά </a:t>
-            </a:r>
-            <a:r>
-              <a:rPr lang="el-GR" sz="2400" b="1" dirty="0" smtClean="0">
-                <a:solidFill>
-                  <a:prstClr val="black">
-                    <a:lumMod val="75000"/>
-                    <a:lumOff val="25000"/>
-                  </a:prstClr>
-                </a:solidFill>
-                <a:latin typeface="Segoe UI" panose="020B0502040204020203" pitchFamily="34" charset="0"/>
-                <a:cs typeface="Segoe UI" panose="020B0502040204020203" pitchFamily="34" charset="0"/>
-              </a:rPr>
-              <a:t>επιλέγονται</a:t>
-            </a:r>
-            <a:r>
-              <a:rPr lang="el-GR" sz="2400" dirty="0" smtClean="0">
-                <a:solidFill>
-                  <a:prstClr val="black">
-                    <a:lumMod val="75000"/>
-                    <a:lumOff val="25000"/>
-                  </a:prstClr>
-                </a:solidFill>
-                <a:latin typeface="Segoe UI" panose="020B0502040204020203" pitchFamily="34" charset="0"/>
-                <a:cs typeface="Segoe UI" panose="020B0502040204020203" pitchFamily="34" charset="0"/>
-              </a:rPr>
-              <a:t> </a:t>
-            </a:r>
-            <a:r>
-              <a:rPr lang="el-GR" sz="2400" b="1" dirty="0" smtClean="0">
-                <a:solidFill>
-                  <a:prstClr val="black">
-                    <a:lumMod val="75000"/>
-                    <a:lumOff val="25000"/>
-                  </a:prstClr>
-                </a:solidFill>
-                <a:latin typeface="Segoe UI" panose="020B0502040204020203" pitchFamily="34" charset="0"/>
-                <a:cs typeface="Segoe UI" panose="020B0502040204020203" pitchFamily="34" charset="0"/>
-              </a:rPr>
-              <a:t>τυχαία</a:t>
-            </a:r>
-            <a:r>
-              <a:rPr lang="el-GR" sz="2400" dirty="0" smtClean="0">
-                <a:solidFill>
-                  <a:prstClr val="black">
-                    <a:lumMod val="75000"/>
-                    <a:lumOff val="25000"/>
-                  </a:prstClr>
-                </a:solidFill>
-                <a:latin typeface="Segoe UI" panose="020B0502040204020203" pitchFamily="34" charset="0"/>
-                <a:cs typeface="Segoe UI" panose="020B0502040204020203" pitchFamily="34" charset="0"/>
-              </a:rPr>
-              <a:t> σε κάθε εκτέλεση.</a:t>
+              <a:t>σε κάθε εκτέλεση.</a:t>
             </a:r>
             <a:endParaRPr lang="el-GR" sz="2400" dirty="0">
               <a:solidFill>
@@ -8853,7 +9066,7 @@
       </p:sp>
       <p:pic>
         <p:nvPicPr>
-          <p:cNvPr id="4" name="Εικόνα 3"/>
+          <p:cNvPr id="3" name="Εικόνα 2"/>
           <p:cNvPicPr>
             <a:picLocks noChangeAspect="1"/>
           </p:cNvPicPr>
@@ -8867,8 +9080,8 @@
         </p:blipFill>
         <p:spPr>
           <a:xfrm>
-            <a:off x="5965508" y="1431010"/>
-            <a:ext cx="4863601" cy="4245574"/>
+            <a:off x="6895964" y="1584823"/>
+            <a:ext cx="2861991" cy="4778390"/>
           </a:xfrm>
           <a:prstGeom prst="rect">
             <a:avLst/>
@@ -8878,7 +9091,7 @@
     </p:spTree>
     <p:extLst>
       <p:ext uri="{BB962C8B-B14F-4D97-AF65-F5344CB8AC3E}">
-        <p14:creationId xmlns:p14="http://schemas.microsoft.com/office/powerpoint/2010/main" val="2990422434"/>
+        <p14:creationId xmlns:p14="http://schemas.microsoft.com/office/powerpoint/2010/main" val="3174308694"/>
       </p:ext>
     </p:extLst>
   </p:cSld>
@@ -8943,7 +9156,7 @@
                 <a:latin typeface="Segoe UI Light" panose="020B0502040204020203" pitchFamily="34" charset="0"/>
                 <a:cs typeface="Segoe UI Light" panose="020B0502040204020203" pitchFamily="34" charset="0"/>
               </a:rPr>
-              <a:t>Πως υλοποιήθηκε;</a:t>
+              <a:t>Τι εννοούμε «τυχαίο;»</a:t>
             </a:r>
             <a:endParaRPr lang="el-GR" dirty="0">
               <a:latin typeface="Segoe UI Light" panose="020B0502040204020203" pitchFamily="34" charset="0"/>
@@ -8994,7 +9207,7 @@
                 <a:latin typeface="Segoe UI" panose="020B0502040204020203" pitchFamily="34" charset="0"/>
                 <a:cs typeface="Segoe UI" panose="020B0502040204020203" pitchFamily="34" charset="0"/>
               </a:rPr>
-              <a:t>Για να γίνει πιο φιλικός ο </a:t>
+              <a:t>Επίσης υπάρχουν πρότυπα </a:t>
             </a:r>
             <a:r>
               <a:rPr lang="en-US" sz="2400" dirty="0" smtClean="0">
@@ -9007,7 +9220,7 @@
                 <a:latin typeface="Segoe UI" panose="020B0502040204020203" pitchFamily="34" charset="0"/>
                 <a:cs typeface="Segoe UI" panose="020B0502040204020203" pitchFamily="34" charset="0"/>
               </a:rPr>
-              <a:t>generator,</a:t>
+              <a:t>templates </a:t>
             </a:r>
             <a:r>
               <a:rPr lang="el-GR" sz="2400" dirty="0" smtClean="0">
@@ -9020,7 +9233,7 @@
                 <a:latin typeface="Segoe UI" panose="020B0502040204020203" pitchFamily="34" charset="0"/>
                 <a:cs typeface="Segoe UI" panose="020B0502040204020203" pitchFamily="34" charset="0"/>
               </a:rPr>
-              <a:t> αναπτύχθηκε </a:t>
+              <a:t>με </a:t>
             </a:r>
             <a:r>
               <a:rPr lang="en-US" sz="2400" dirty="0" smtClean="0">
@@ -9033,7 +9246,7 @@
                 <a:latin typeface="Segoe UI" panose="020B0502040204020203" pitchFamily="34" charset="0"/>
                 <a:cs typeface="Segoe UI" panose="020B0502040204020203" pitchFamily="34" charset="0"/>
               </a:rPr>
-              <a:t>GUI, </a:t>
+              <a:t>stylesheets</a:t>
             </a:r>
             <a:r>
               <a:rPr lang="el-GR" sz="2400" dirty="0" smtClean="0">
@@ -9046,20 +9259,31 @@
                 <a:latin typeface="Segoe UI" panose="020B0502040204020203" pitchFamily="34" charset="0"/>
                 <a:cs typeface="Segoe UI" panose="020B0502040204020203" pitchFamily="34" charset="0"/>
               </a:rPr>
-              <a:t>με χρήση της  βιβλιοθήκης </a:t>
-            </a:r>
-            <a:r>
-              <a:rPr lang="en-US" sz="2400" b="1" dirty="0" err="1" smtClean="0">
-                <a:solidFill>
-                  <a:prstClr val="black">
-                    <a:lumMod val="75000"/>
-                    <a:lumOff val="25000"/>
-                  </a:prstClr>
-                </a:solidFill>
-                <a:latin typeface="Segoe UI" panose="020B0502040204020203" pitchFamily="34" charset="0"/>
-                <a:cs typeface="Segoe UI" panose="020B0502040204020203" pitchFamily="34" charset="0"/>
-              </a:rPr>
-              <a:t>tkinter</a:t>
+              <a:t>.</a:t>
+            </a:r>
+          </a:p>
+          <a:p>
+            <a:pPr marL="0" indent="0" rtl="0">
+              <a:spcBef>
+                <a:spcPts val="1000"/>
+              </a:spcBef>
+              <a:spcAft>
+                <a:spcPts val="2000"/>
+              </a:spcAft>
+              <a:buNone/>
+            </a:pPr>
+            <a:r>
+              <a:rPr lang="el-GR" sz="2400" dirty="0" smtClean="0">
+                <a:solidFill>
+                  <a:prstClr val="black">
+                    <a:lumMod val="75000"/>
+                    <a:lumOff val="25000"/>
+                  </a:prstClr>
+                </a:solidFill>
+                <a:latin typeface="Segoe UI" panose="020B0502040204020203" pitchFamily="34" charset="0"/>
+                <a:cs typeface="Segoe UI" panose="020B0502040204020203" pitchFamily="34" charset="0"/>
+              </a:rPr>
+              <a:t>Και αυτά </a:t>
             </a:r>
             <a:r>
               <a:rPr lang="el-GR" sz="2400" b="1" dirty="0" smtClean="0">
@@ -9072,7 +9296,46 @@
                 <a:latin typeface="Segoe UI" panose="020B0502040204020203" pitchFamily="34" charset="0"/>
                 <a:cs typeface="Segoe UI" panose="020B0502040204020203" pitchFamily="34" charset="0"/>
               </a:rPr>
-              <a:t>.</a:t>
+              <a:t>επιλέγονται</a:t>
+            </a:r>
+            <a:r>
+              <a:rPr lang="el-GR" sz="2400" dirty="0" smtClean="0">
+                <a:solidFill>
+                  <a:prstClr val="black">
+                    <a:lumMod val="75000"/>
+                    <a:lumOff val="25000"/>
+                  </a:prstClr>
+                </a:solidFill>
+                <a:latin typeface="Segoe UI" panose="020B0502040204020203" pitchFamily="34" charset="0"/>
+                <a:cs typeface="Segoe UI" panose="020B0502040204020203" pitchFamily="34" charset="0"/>
+              </a:rPr>
+              <a:t> </a:t>
+            </a:r>
+            <a:r>
+              <a:rPr lang="el-GR" sz="2400" b="1" dirty="0" smtClean="0">
+                <a:solidFill>
+                  <a:prstClr val="black">
+                    <a:lumMod val="75000"/>
+                    <a:lumOff val="25000"/>
+                  </a:prstClr>
+                </a:solidFill>
+                <a:latin typeface="Segoe UI" panose="020B0502040204020203" pitchFamily="34" charset="0"/>
+                <a:cs typeface="Segoe UI" panose="020B0502040204020203" pitchFamily="34" charset="0"/>
+              </a:rPr>
+              <a:t>τυχαία</a:t>
+            </a:r>
+            <a:r>
+              <a:rPr lang="el-GR" sz="2400" dirty="0" smtClean="0">
+                <a:solidFill>
+                  <a:prstClr val="black">
+                    <a:lumMod val="75000"/>
+                    <a:lumOff val="25000"/>
+                  </a:prstClr>
+                </a:solidFill>
+                <a:latin typeface="Segoe UI" panose="020B0502040204020203" pitchFamily="34" charset="0"/>
+                <a:cs typeface="Segoe UI" panose="020B0502040204020203" pitchFamily="34" charset="0"/>
+              </a:rPr>
+              <a:t> σε κάθε εκτέλεση.</a:t>
             </a:r>
             <a:endParaRPr lang="el-GR" sz="2400" dirty="0">
               <a:solidFill>
@@ -9089,7 +9352,7 @@
       </p:sp>
       <p:pic>
         <p:nvPicPr>
-          <p:cNvPr id="3" name="Εικόνα 2"/>
+          <p:cNvPr id="4" name="Εικόνα 3"/>
           <p:cNvPicPr>
             <a:picLocks noChangeAspect="1"/>
           </p:cNvPicPr>
@@ -9103,32 +9366,8 @@
         </p:blipFill>
         <p:spPr>
           <a:xfrm>
-            <a:off x="5983741" y="1234873"/>
-            <a:ext cx="5132750" cy="5403403"/>
-          </a:xfrm>
-          <a:prstGeom prst="rect">
-            <a:avLst/>
-          </a:prstGeom>
-        </p:spPr>
-      </p:pic>
-      <p:pic>
-        <p:nvPicPr>
-          <p:cNvPr id="6" name="Εικόνα 5"/>
-          <p:cNvPicPr>
-            <a:picLocks noChangeAspect="1"/>
-          </p:cNvPicPr>
-          <p:nvPr/>
-        </p:nvPicPr>
-        <p:blipFill>
-          <a:blip r:embed="rId4"/>
-          <a:stretch>
-            <a:fillRect/>
-          </a:stretch>
-        </p:blipFill>
-        <p:spPr>
-          <a:xfrm>
-            <a:off x="521206" y="3243194"/>
-            <a:ext cx="4913933" cy="3395081"/>
+            <a:off x="5965508" y="1431010"/>
+            <a:ext cx="4863601" cy="4245574"/>
           </a:xfrm>
           <a:prstGeom prst="rect">
             <a:avLst/>
@@ -9138,7 +9377,7 @@
     </p:spTree>
     <p:extLst>
       <p:ext uri="{BB962C8B-B14F-4D97-AF65-F5344CB8AC3E}">
-        <p14:creationId xmlns:p14="http://schemas.microsoft.com/office/powerpoint/2010/main" val="1709995787"/>
+        <p14:creationId xmlns:p14="http://schemas.microsoft.com/office/powerpoint/2010/main" val="2990422434"/>
       </p:ext>
     </p:extLst>
   </p:cSld>

--- a/Docs/React Native Template Builder.pptx
+++ b/Docs/React Native Template Builder.pptx
@@ -5788,8 +5788,8 @@
         </p:nvSpPr>
         <p:spPr>
           <a:xfrm>
-            <a:off x="541610" y="2614428"/>
-            <a:ext cx="11345590" cy="2806658"/>
+            <a:off x="541610" y="2614427"/>
+            <a:ext cx="11345590" cy="3747183"/>
           </a:xfrm>
         </p:spPr>
         <p:txBody>
@@ -5941,8 +5941,85 @@
                 </a:solidFill>
                 <a:latin typeface="Segoe UI Light" panose="020B0502040204020203" pitchFamily="34" charset="0"/>
                 <a:cs typeface="Segoe UI Light" panose="020B0502040204020203" pitchFamily="34" charset="0"/>
-              </a:rPr>
-              <a:t>https://github.com/Vuxxs/react-native-template-builder</a:t>
+                <a:hlinkClick r:id="rId4"/>
+              </a:rPr>
+              <a:t>https://</a:t>
+            </a:r>
+            <a:r>
+              <a:rPr lang="en-US" sz="2200" b="1" dirty="0" smtClean="0">
+                <a:solidFill>
+                  <a:schemeClr val="accent1">
+                    <a:lumMod val="50000"/>
+                  </a:schemeClr>
+                </a:solidFill>
+                <a:latin typeface="Segoe UI Light" panose="020B0502040204020203" pitchFamily="34" charset="0"/>
+                <a:cs typeface="Segoe UI Light" panose="020B0502040204020203" pitchFamily="34" charset="0"/>
+                <a:hlinkClick r:id="rId4"/>
+              </a:rPr>
+              <a:t>github.com/Vuxxs/react-native-template-builder</a:t>
+            </a:r>
+            <a:endParaRPr lang="en-US" sz="2200" b="1" dirty="0" smtClean="0">
+              <a:solidFill>
+                <a:schemeClr val="accent1">
+                  <a:lumMod val="50000"/>
+                </a:schemeClr>
+              </a:solidFill>
+              <a:latin typeface="Segoe UI Light" panose="020B0502040204020203" pitchFamily="34" charset="0"/>
+              <a:cs typeface="Segoe UI Light" panose="020B0502040204020203" pitchFamily="34" charset="0"/>
+            </a:endParaRPr>
+          </a:p>
+          <a:p>
+            <a:pPr>
+              <a:lnSpc>
+                <a:spcPts val="3600"/>
+              </a:lnSpc>
+              <a:spcAft>
+                <a:spcPts val="0"/>
+              </a:spcAft>
+            </a:pPr>
+            <a:r>
+              <a:rPr lang="en-US" sz="2000" u="sng" dirty="0">
+                <a:latin typeface="Segoe UI Light" panose="020B0502040204020203" pitchFamily="34" charset="0"/>
+                <a:cs typeface="Segoe UI Light" panose="020B0502040204020203" pitchFamily="34" charset="0"/>
+              </a:rPr>
+              <a:t>Video </a:t>
+            </a:r>
+            <a:r>
+              <a:rPr lang="en-US" sz="2000" u="sng" dirty="0" smtClean="0">
+                <a:latin typeface="Segoe UI Light" panose="020B0502040204020203" pitchFamily="34" charset="0"/>
+                <a:cs typeface="Segoe UI Light" panose="020B0502040204020203" pitchFamily="34" charset="0"/>
+              </a:rPr>
+              <a:t>– </a:t>
+            </a:r>
+            <a:r>
+              <a:rPr lang="el-GR" sz="2000" u="sng" dirty="0" smtClean="0">
+                <a:latin typeface="Segoe UI Light" panose="020B0502040204020203" pitchFamily="34" charset="0"/>
+                <a:cs typeface="Segoe UI Light" panose="020B0502040204020203" pitchFamily="34" charset="0"/>
+              </a:rPr>
+              <a:t>παρουσίαση</a:t>
+            </a:r>
+          </a:p>
+          <a:p>
+            <a:pPr>
+              <a:lnSpc>
+                <a:spcPts val="3600"/>
+              </a:lnSpc>
+              <a:spcAft>
+                <a:spcPts val="0"/>
+              </a:spcAft>
+            </a:pPr>
+            <a:r>
+              <a:rPr lang="en-US" sz="2200" b="1" dirty="0">
+                <a:solidFill>
+                  <a:schemeClr val="accent1">
+                    <a:lumMod val="50000"/>
+                  </a:schemeClr>
+                </a:solidFill>
+                <a:latin typeface="Segoe UI Light" panose="020B0502040204020203" pitchFamily="34" charset="0"/>
+                <a:cs typeface="Segoe UI Light" panose="020B0502040204020203" pitchFamily="34" charset="0"/>
+                <a:hlinkClick r:id="rId5"/>
+              </a:rPr>
+              <a:t>https://www.youtube.com/watch?v=Ejwwq1q309E</a:t>
             </a:r>
             <a:endParaRPr lang="el-GR" sz="2200" b="1" dirty="0">
               <a:solidFill>
@@ -5978,6 +6055,13 @@
       </p:transition>
     </mc:Fallback>
   </mc:AlternateContent>
+  <p:timing>
+    <p:tnLst>
+      <p:par>
+        <p:cTn id="1" dur="indefinite" restart="never" nodeType="tmRoot"/>
+      </p:par>
+    </p:tnLst>
+  </p:timing>
 </p:sld>
 </file>
 
@@ -6361,14 +6445,7 @@
                 <a:latin typeface="Segoe UI" panose="020B0502040204020203" pitchFamily="34" charset="0"/>
                 <a:cs typeface="Segoe UI" panose="020B0502040204020203" pitchFamily="34" charset="0"/>
               </a:rPr>
-              <a:t>React </a:t>
-            </a:r>
-            <a:r>
-              <a:rPr lang="en-US" sz="2400" dirty="0" smtClean="0">
-                <a:latin typeface="Segoe UI" panose="020B0502040204020203" pitchFamily="34" charset="0"/>
-                <a:cs typeface="Segoe UI" panose="020B0502040204020203" pitchFamily="34" charset="0"/>
-              </a:rPr>
-              <a:t>Native</a:t>
+              <a:t>React Native</a:t>
             </a:r>
             <a:endParaRPr lang="el-GR" sz="2400" dirty="0" smtClean="0">
               <a:latin typeface="Segoe UI" panose="020B0502040204020203" pitchFamily="34" charset="0"/>
@@ -8681,16 +8758,6 @@
               </a:rPr>
               <a:t>.</a:t>
             </a:r>
-            <a:endParaRPr lang="el-GR" sz="2400" dirty="0" smtClean="0">
-              <a:solidFill>
-                <a:prstClr val="black">
-                  <a:lumMod val="75000"/>
-                  <a:lumOff val="25000"/>
-                </a:prstClr>
-              </a:solidFill>
-              <a:latin typeface="Segoe UI" panose="020B0502040204020203" pitchFamily="34" charset="0"/>
-              <a:cs typeface="Segoe UI" panose="020B0502040204020203" pitchFamily="34" charset="0"/>
-            </a:endParaRPr>
           </a:p>
         </p:txBody>
       </p:sp>
@@ -8885,20 +8952,7 @@
                 <a:latin typeface="Segoe UI" panose="020B0502040204020203" pitchFamily="34" charset="0"/>
                 <a:cs typeface="Segoe UI" panose="020B0502040204020203" pitchFamily="34" charset="0"/>
               </a:rPr>
-              <a:t>Στο </a:t>
-            </a:r>
-            <a:r>
-              <a:rPr lang="el-GR" sz="2400" dirty="0" smtClean="0">
-                <a:solidFill>
-                  <a:prstClr val="black">
-                    <a:lumMod val="75000"/>
-                    <a:lumOff val="25000"/>
-                  </a:prstClr>
-                </a:solidFill>
-                <a:latin typeface="Segoe UI" panose="020B0502040204020203" pitchFamily="34" charset="0"/>
-                <a:cs typeface="Segoe UI" panose="020B0502040204020203" pitchFamily="34" charset="0"/>
-              </a:rPr>
-              <a:t>φάκελο </a:t>
+              <a:t>Στο φάκελο </a:t>
             </a:r>
             <a:r>
               <a:rPr lang="en-US" sz="2400" dirty="0" smtClean="0">
@@ -10160,6 +10214,15 @@
 </file>
 
 <file path=customXml/item1.xml><?xml version="1.0" encoding="utf-8"?>
+<?mso-contentType ?>
+<FormTemplates xmlns="http://schemas.microsoft.com/sharepoint/v3/contenttype/forms">
+  <Display>DocumentLibraryForm</Display>
+  <Edit>DocumentLibraryForm</Edit>
+  <New>DocumentLibraryForm</New>
+</FormTemplates>
+</file>
+
+<file path=customXml/item2.xml><?xml version="1.0" encoding="utf-8"?>
 <ct:contentTypeSchema xmlns:ct="http://schemas.microsoft.com/office/2006/metadata/contentType" xmlns:ma="http://schemas.microsoft.com/office/2006/metadata/properties/metaAttributes" ct:_="" ma:_="" ma:contentTypeName="Document" ma:contentTypeID="0x01010079F111ED35F8CC479449609E8A0923A6" ma:contentTypeVersion="12" ma:contentTypeDescription="Create a new document." ma:contentTypeScope="" ma:versionID="a8a52e8c320b9a064ae3583ae3861c92">
   <xsd:schema xmlns:xsd="http://www.w3.org/2001/XMLSchema" xmlns:xs="http://www.w3.org/2001/XMLSchema" xmlns:p="http://schemas.microsoft.com/office/2006/metadata/properties" xmlns:ns2="71af3243-3dd4-4a8d-8c0d-dd76da1f02a5" xmlns:ns3="16c05727-aa75-4e4a-9b5f-8a80a1165891" targetNamespace="http://schemas.microsoft.com/office/2006/metadata/properties" ma:root="true" ma:fieldsID="88020cb39231a0945110f9cd888b521a" ns2:_="" ns3:_="">
     <xsd:import namespace="71af3243-3dd4-4a8d-8c0d-dd76da1f02a5"/>
@@ -10380,15 +10443,6 @@
 </ct:contentTypeSchema>
 </file>
 
-<file path=customXml/item2.xml><?xml version="1.0" encoding="utf-8"?>
-<?mso-contentType ?>
-<FormTemplates xmlns="http://schemas.microsoft.com/sharepoint/v3/contenttype/forms">
-  <Display>DocumentLibraryForm</Display>
-  <Edit>DocumentLibraryForm</Edit>
-  <New>DocumentLibraryForm</New>
-</FormTemplates>
-</file>
-
 <file path=customXml/item3.xml><?xml version="1.0" encoding="utf-8"?>
 <p:properties xmlns:p="http://schemas.microsoft.com/office/2006/metadata/properties" xmlns:xsi="http://www.w3.org/2001/XMLSchema-instance" xmlns:pc="http://schemas.microsoft.com/office/infopath/2007/PartnerControls">
   <documentManagement>
@@ -10399,6 +10453,14 @@
 </file>
 
 <file path=customXml/itemProps1.xml><?xml version="1.0" encoding="utf-8"?>
+<ds:datastoreItem xmlns:ds="http://schemas.openxmlformats.org/officeDocument/2006/customXml" ds:itemID="{7EE8C63A-4744-4DE4-BB49-0FF0B5375C60}">
+  <ds:schemaRefs>
+    <ds:schemaRef ds:uri="http://schemas.microsoft.com/sharepoint/v3/contenttype/forms"/>
+  </ds:schemaRefs>
+</ds:datastoreItem>
+</file>
+
+<file path=customXml/itemProps2.xml><?xml version="1.0" encoding="utf-8"?>
 <ds:datastoreItem xmlns:ds="http://schemas.openxmlformats.org/officeDocument/2006/customXml" ds:itemID="{FD7FC771-7DFE-49DA-B577-71181BFBCB2E}">
   <ds:schemaRefs>
     <ds:schemaRef ds:uri="http://schemas.microsoft.com/office/2006/metadata/contentType"/>
@@ -10417,14 +10479,6 @@
 </ds:datastoreItem>
 </file>
 
-<file path=customXml/itemProps2.xml><?xml version="1.0" encoding="utf-8"?>
-<ds:datastoreItem xmlns:ds="http://schemas.openxmlformats.org/officeDocument/2006/customXml" ds:itemID="{7EE8C63A-4744-4DE4-BB49-0FF0B5375C60}">
-  <ds:schemaRefs>
-    <ds:schemaRef ds:uri="http://schemas.microsoft.com/sharepoint/v3/contenttype/forms"/>
-  </ds:schemaRefs>
-</ds:datastoreItem>
-</file>
-
 <file path=customXml/itemProps3.xml><?xml version="1.0" encoding="utf-8"?>
 <ds:datastoreItem xmlns:ds="http://schemas.openxmlformats.org/officeDocument/2006/customXml" ds:itemID="{950072C5-DDE0-4258-BA7A-4D4B80DFA632}">
   <ds:schemaRefs>
